--- a/courses/apcsp/lect8a.pptx
+++ b/courses/apcsp/lect8a.pptx
@@ -122,6 +122,7 @@
 <file path=ppt/revisionInfo.xml><?xml version="1.0" encoding="utf-8"?>
 <p1510:revInfo xmlns:a="http://schemas.openxmlformats.org/drawingml/2006/main" xmlns:r="http://schemas.openxmlformats.org/officeDocument/2006/relationships" xmlns:p1510="http://schemas.microsoft.com/office/powerpoint/2015/10/main">
   <p1510:revLst>
+    <p1510:client id="{23AB6C8C-0C48-8749-A15D-EB048A23D91B}" v="90" dt="2019-11-05T17:39:31.857"/>
     <p1510:client id="{DBF8C059-04A6-1547-9DE4-356B5DFE87B9}" v="1672" dt="2019-11-05T15:29:15.368"/>
   </p1510:revLst>
 </p1510:revInfo>
@@ -1207,6 +1208,30 @@
   </pc:docChgLst>
   <pc:docChgLst>
     <pc:chgData name="Long B Nguyen" userId="f59fb8f3-a021-417a-8bc1-65c8d471c621" providerId="ADAL" clId="{6CD83B71-C243-244B-B302-DE2E82069201}"/>
+  </pc:docChgLst>
+  <pc:docChgLst>
+    <pc:chgData name="Long B Nguyen" userId="f59fb8f3-a021-417a-8bc1-65c8d471c621" providerId="ADAL" clId="{23AB6C8C-0C48-8749-A15D-EB048A23D91B}"/>
+    <pc:docChg chg="modSld">
+      <pc:chgData name="Long B Nguyen" userId="f59fb8f3-a021-417a-8bc1-65c8d471c621" providerId="ADAL" clId="{23AB6C8C-0C48-8749-A15D-EB048A23D91B}" dt="2019-11-05T17:39:31.857" v="89" actId="20577"/>
+      <pc:docMkLst>
+        <pc:docMk/>
+      </pc:docMkLst>
+      <pc:sldChg chg="modSp modAnim">
+        <pc:chgData name="Long B Nguyen" userId="f59fb8f3-a021-417a-8bc1-65c8d471c621" providerId="ADAL" clId="{23AB6C8C-0C48-8749-A15D-EB048A23D91B}" dt="2019-11-05T17:39:31.857" v="89" actId="20577"/>
+        <pc:sldMkLst>
+          <pc:docMk/>
+          <pc:sldMk cId="2054350624" sldId="336"/>
+        </pc:sldMkLst>
+        <pc:spChg chg="mod">
+          <ac:chgData name="Long B Nguyen" userId="f59fb8f3-a021-417a-8bc1-65c8d471c621" providerId="ADAL" clId="{23AB6C8C-0C48-8749-A15D-EB048A23D91B}" dt="2019-11-05T17:39:31.857" v="89" actId="20577"/>
+          <ac:spMkLst>
+            <pc:docMk/>
+            <pc:sldMk cId="2054350624" sldId="336"/>
+            <ac:spMk id="9" creationId="{E3B2E017-30B2-884B-A113-B419A2ED51AD}"/>
+          </ac:spMkLst>
+        </pc:spChg>
+      </pc:sldChg>
+    </pc:docChg>
   </pc:docChgLst>
 </pc:chgInfo>
 </file>
@@ -8395,8 +8420,28 @@
             </a:r>
             <a:r>
               <a:rPr lang="en-US" dirty="0"/>
-              <a:t>())</a:t>
-            </a:r>
+              <a:t>()).</a:t>
+            </a:r>
+          </a:p>
+          <a:p>
+            <a:pPr marL="0" indent="0">
+              <a:buNone/>
+            </a:pPr>
+            <a:endParaRPr lang="en-US" dirty="0"/>
+          </a:p>
+          <a:p>
+            <a:pPr marL="0" indent="0">
+              <a:buNone/>
+            </a:pPr>
+            <a:r>
+              <a:rPr lang="en-US" dirty="0"/>
+              <a:t>USE ONLY ONE FOR LOOP to traverse through </a:t>
+            </a:r>
+            <a:r>
+              <a:rPr lang="en-US"/>
+              <a:t>the digits. </a:t>
+            </a:r>
+            <a:endParaRPr lang="en-US" dirty="0"/>
           </a:p>
           <a:p>
             <a:pPr marL="0" indent="0">
@@ -8560,6 +8605,55 @@
                                           <p:spTgt spid="9">
                                             <p:txEl>
                                               <p:pRg st="5" end="5"/>
+                                            </p:txEl>
+                                          </p:spTgt>
+                                        </p:tgtEl>
+                                        <p:attrNameLst>
+                                          <p:attrName>style.visibility</p:attrName>
+                                        </p:attrNameLst>
+                                      </p:cBhvr>
+                                      <p:to>
+                                        <p:strVal val="visible"/>
+                                      </p:to>
+                                    </p:set>
+                                  </p:childTnLst>
+                                </p:cTn>
+                              </p:par>
+                            </p:childTnLst>
+                          </p:cTn>
+                        </p:par>
+                      </p:childTnLst>
+                    </p:cTn>
+                  </p:par>
+                  <p:par>
+                    <p:cTn id="15" fill="hold">
+                      <p:stCondLst>
+                        <p:cond delay="indefinite"/>
+                      </p:stCondLst>
+                      <p:childTnLst>
+                        <p:par>
+                          <p:cTn id="16" fill="hold">
+                            <p:stCondLst>
+                              <p:cond delay="0"/>
+                            </p:stCondLst>
+                            <p:childTnLst>
+                              <p:par>
+                                <p:cTn id="17" presetID="1" presetClass="entr" presetSubtype="0" fill="hold" nodeType="clickEffect">
+                                  <p:stCondLst>
+                                    <p:cond delay="0"/>
+                                  </p:stCondLst>
+                                  <p:childTnLst>
+                                    <p:set>
+                                      <p:cBhvr>
+                                        <p:cTn id="18" dur="1" fill="hold">
+                                          <p:stCondLst>
+                                            <p:cond delay="0"/>
+                                          </p:stCondLst>
+                                        </p:cTn>
+                                        <p:tgtEl>
+                                          <p:spTgt spid="9">
+                                            <p:txEl>
+                                              <p:pRg st="7" end="7"/>
                                             </p:txEl>
                                           </p:spTgt>
                                         </p:tgtEl>

--- a/courses/apcsp/lect8a.pptx
+++ b/courses/apcsp/lect8a.pptx
@@ -13,6 +13,10 @@
     <p:sldId id="337" r:id="rId7"/>
     <p:sldId id="338" r:id="rId8"/>
     <p:sldId id="336" r:id="rId9"/>
+    <p:sldId id="339" r:id="rId10"/>
+    <p:sldId id="341" r:id="rId11"/>
+    <p:sldId id="340" r:id="rId12"/>
+    <p:sldId id="342" r:id="rId13"/>
   </p:sldIdLst>
   <p:sldSz cx="9144000" cy="5715000" type="screen16x10"/>
   <p:notesSz cx="6858000" cy="9144000"/>
@@ -122,8 +126,7 @@
 <file path=ppt/revisionInfo.xml><?xml version="1.0" encoding="utf-8"?>
 <p1510:revInfo xmlns:a="http://schemas.openxmlformats.org/drawingml/2006/main" xmlns:r="http://schemas.openxmlformats.org/officeDocument/2006/relationships" xmlns:p1510="http://schemas.microsoft.com/office/powerpoint/2015/10/main">
   <p1510:revLst>
-    <p1510:client id="{23AB6C8C-0C48-8749-A15D-EB048A23D91B}" v="90" dt="2019-11-05T17:39:31.857"/>
-    <p1510:client id="{DBF8C059-04A6-1547-9DE4-356B5DFE87B9}" v="1672" dt="2019-11-05T15:29:15.368"/>
+    <p1510:client id="{23AB6C8C-0C48-8749-A15D-EB048A23D91B}" v="2104" dt="2019-11-07T13:53:20.866"/>
   </p1510:revLst>
 </p1510:revInfo>
 </file>
@@ -152,106 +155,6 @@
           </ac:spMkLst>
         </pc:spChg>
       </pc:sldChg>
-      <pc:sldChg chg="del">
-        <pc:chgData name="Long B Nguyen" userId="f59fb8f3-a021-417a-8bc1-65c8d471c621" providerId="ADAL" clId="{DBF8C059-04A6-1547-9DE4-356B5DFE87B9}" dt="2019-11-05T15:14:01.782" v="9432" actId="2696"/>
-        <pc:sldMkLst>
-          <pc:docMk/>
-          <pc:sldMk cId="1438711869" sldId="284"/>
-        </pc:sldMkLst>
-      </pc:sldChg>
-      <pc:sldChg chg="modSp del">
-        <pc:chgData name="Long B Nguyen" userId="f59fb8f3-a021-417a-8bc1-65c8d471c621" providerId="ADAL" clId="{DBF8C059-04A6-1547-9DE4-356B5DFE87B9}" dt="2019-11-05T15:00:44.130" v="8318" actId="2696"/>
-        <pc:sldMkLst>
-          <pc:docMk/>
-          <pc:sldMk cId="131840209" sldId="286"/>
-        </pc:sldMkLst>
-        <pc:spChg chg="mod">
-          <ac:chgData name="Long B Nguyen" userId="f59fb8f3-a021-417a-8bc1-65c8d471c621" providerId="ADAL" clId="{DBF8C059-04A6-1547-9DE4-356B5DFE87B9}" dt="2019-10-24T17:54:09.199" v="5023" actId="20577"/>
-          <ac:spMkLst>
-            <pc:docMk/>
-            <pc:sldMk cId="131840209" sldId="286"/>
-            <ac:spMk id="9" creationId="{E3B2E017-30B2-884B-A113-B419A2ED51AD}"/>
-          </ac:spMkLst>
-        </pc:spChg>
-      </pc:sldChg>
-      <pc:sldChg chg="modSp add del">
-        <pc:chgData name="Long B Nguyen" userId="f59fb8f3-a021-417a-8bc1-65c8d471c621" providerId="ADAL" clId="{DBF8C059-04A6-1547-9DE4-356B5DFE87B9}" dt="2019-11-05T15:13:35.781" v="9416" actId="2696"/>
-        <pc:sldMkLst>
-          <pc:docMk/>
-          <pc:sldMk cId="2219016551" sldId="296"/>
-        </pc:sldMkLst>
-        <pc:spChg chg="mod">
-          <ac:chgData name="Long B Nguyen" userId="f59fb8f3-a021-417a-8bc1-65c8d471c621" providerId="ADAL" clId="{DBF8C059-04A6-1547-9DE4-356B5DFE87B9}" dt="2019-10-24T16:18:33.502" v="2724" actId="20577"/>
-          <ac:spMkLst>
-            <pc:docMk/>
-            <pc:sldMk cId="2219016551" sldId="296"/>
-            <ac:spMk id="2" creationId="{AA3A228F-61D0-D949-A5E7-F83756230BF8}"/>
-          </ac:spMkLst>
-        </pc:spChg>
-        <pc:spChg chg="mod">
-          <ac:chgData name="Long B Nguyen" userId="f59fb8f3-a021-417a-8bc1-65c8d471c621" providerId="ADAL" clId="{DBF8C059-04A6-1547-9DE4-356B5DFE87B9}" dt="2019-10-24T16:18:14.159" v="2673" actId="1036"/>
-          <ac:spMkLst>
-            <pc:docMk/>
-            <pc:sldMk cId="2219016551" sldId="296"/>
-            <ac:spMk id="6" creationId="{76E456FD-D331-974E-9966-139D852DE6B8}"/>
-          </ac:spMkLst>
-        </pc:spChg>
-        <pc:picChg chg="mod">
-          <ac:chgData name="Long B Nguyen" userId="f59fb8f3-a021-417a-8bc1-65c8d471c621" providerId="ADAL" clId="{DBF8C059-04A6-1547-9DE4-356B5DFE87B9}" dt="2019-10-24T16:18:08.391" v="2655" actId="14100"/>
-          <ac:picMkLst>
-            <pc:docMk/>
-            <pc:sldMk cId="2219016551" sldId="296"/>
-            <ac:picMk id="3" creationId="{9A8E9CD0-D9B3-8E4C-9599-C519FA3BF22B}"/>
-          </ac:picMkLst>
-        </pc:picChg>
-        <pc:picChg chg="mod">
-          <ac:chgData name="Long B Nguyen" userId="f59fb8f3-a021-417a-8bc1-65c8d471c621" providerId="ADAL" clId="{DBF8C059-04A6-1547-9DE4-356B5DFE87B9}" dt="2019-10-24T16:18:09.927" v="2656" actId="1076"/>
-          <ac:picMkLst>
-            <pc:docMk/>
-            <pc:sldMk cId="2219016551" sldId="296"/>
-            <ac:picMk id="8" creationId="{778F82F4-110D-C843-8F5C-71BDAE030887}"/>
-          </ac:picMkLst>
-        </pc:picChg>
-        <pc:cxnChg chg="mod">
-          <ac:chgData name="Long B Nguyen" userId="f59fb8f3-a021-417a-8bc1-65c8d471c621" providerId="ADAL" clId="{DBF8C059-04A6-1547-9DE4-356B5DFE87B9}" dt="2019-10-24T16:18:20.629" v="2675" actId="14100"/>
-          <ac:cxnSpMkLst>
-            <pc:docMk/>
-            <pc:sldMk cId="2219016551" sldId="296"/>
-            <ac:cxnSpMk id="10" creationId="{79C2D392-8520-8A48-983C-712692DD187A}"/>
-          </ac:cxnSpMkLst>
-        </pc:cxnChg>
-      </pc:sldChg>
-      <pc:sldChg chg="modSp add del">
-        <pc:chgData name="Long B Nguyen" userId="f59fb8f3-a021-417a-8bc1-65c8d471c621" providerId="ADAL" clId="{DBF8C059-04A6-1547-9DE4-356B5DFE87B9}" dt="2019-11-05T15:13:35.700" v="9411" actId="2696"/>
-        <pc:sldMkLst>
-          <pc:docMk/>
-          <pc:sldMk cId="470149039" sldId="300"/>
-        </pc:sldMkLst>
-        <pc:spChg chg="mod">
-          <ac:chgData name="Long B Nguyen" userId="f59fb8f3-a021-417a-8bc1-65c8d471c621" providerId="ADAL" clId="{DBF8C059-04A6-1547-9DE4-356B5DFE87B9}" dt="2019-10-24T14:35:08.878" v="561"/>
-          <ac:spMkLst>
-            <pc:docMk/>
-            <pc:sldMk cId="470149039" sldId="300"/>
-            <ac:spMk id="2" creationId="{AA3A228F-61D0-D949-A5E7-F83756230BF8}"/>
-          </ac:spMkLst>
-        </pc:spChg>
-        <pc:spChg chg="mod">
-          <ac:chgData name="Long B Nguyen" userId="f59fb8f3-a021-417a-8bc1-65c8d471c621" providerId="ADAL" clId="{DBF8C059-04A6-1547-9DE4-356B5DFE87B9}" dt="2019-10-24T14:41:04.607" v="726" actId="20577"/>
-          <ac:spMkLst>
-            <pc:docMk/>
-            <pc:sldMk cId="470149039" sldId="300"/>
-            <ac:spMk id="9" creationId="{E3B2E017-30B2-884B-A113-B419A2ED51AD}"/>
-          </ac:spMkLst>
-        </pc:spChg>
-        <pc:graphicFrameChg chg="mod modGraphic">
-          <ac:chgData name="Long B Nguyen" userId="f59fb8f3-a021-417a-8bc1-65c8d471c621" providerId="ADAL" clId="{DBF8C059-04A6-1547-9DE4-356B5DFE87B9}" dt="2019-10-24T15:48:21.479" v="1055" actId="20577"/>
-          <ac:graphicFrameMkLst>
-            <pc:docMk/>
-            <pc:sldMk cId="470149039" sldId="300"/>
-            <ac:graphicFrameMk id="3" creationId="{57EBABBC-BF53-D54B-B535-A6EEF3CDBAF8}"/>
-          </ac:graphicFrameMkLst>
-        </pc:graphicFrameChg>
-      </pc:sldChg>
       <pc:sldChg chg="modSp modAnim">
         <pc:chgData name="Long B Nguyen" userId="f59fb8f3-a021-417a-8bc1-65c8d471c621" providerId="ADAL" clId="{DBF8C059-04A6-1547-9DE4-356B5DFE87B9}" dt="2019-11-05T15:05:19.080" v="9009" actId="20577"/>
         <pc:sldMkLst>
@@ -271,776 +174,6 @@
           <ac:spMkLst>
             <pc:docMk/>
             <pc:sldMk cId="3670596711" sldId="304"/>
-            <ac:spMk id="9" creationId="{E3B2E017-30B2-884B-A113-B419A2ED51AD}"/>
-          </ac:spMkLst>
-        </pc:spChg>
-      </pc:sldChg>
-      <pc:sldChg chg="modSp del modAnim">
-        <pc:chgData name="Long B Nguyen" userId="f59fb8f3-a021-417a-8bc1-65c8d471c621" providerId="ADAL" clId="{DBF8C059-04A6-1547-9DE4-356B5DFE87B9}" dt="2019-11-05T15:13:35.558" v="9406" actId="2696"/>
-        <pc:sldMkLst>
-          <pc:docMk/>
-          <pc:sldMk cId="3984246490" sldId="307"/>
-        </pc:sldMkLst>
-        <pc:spChg chg="mod">
-          <ac:chgData name="Long B Nguyen" userId="f59fb8f3-a021-417a-8bc1-65c8d471c621" providerId="ADAL" clId="{DBF8C059-04A6-1547-9DE4-356B5DFE87B9}" dt="2019-10-24T14:24:11.863" v="220" actId="1076"/>
-          <ac:spMkLst>
-            <pc:docMk/>
-            <pc:sldMk cId="3984246490" sldId="307"/>
-            <ac:spMk id="4" creationId="{3C1D2CCE-B02B-8D4A-B006-6965D4D418F0}"/>
-          </ac:spMkLst>
-        </pc:spChg>
-        <pc:spChg chg="mod">
-          <ac:chgData name="Long B Nguyen" userId="f59fb8f3-a021-417a-8bc1-65c8d471c621" providerId="ADAL" clId="{DBF8C059-04A6-1547-9DE4-356B5DFE87B9}" dt="2019-10-24T14:24:08.848" v="219" actId="1076"/>
-          <ac:spMkLst>
-            <pc:docMk/>
-            <pc:sldMk cId="3984246490" sldId="307"/>
-            <ac:spMk id="5" creationId="{098C8043-8C8C-AF4C-BF1C-D1D52C75A7B9}"/>
-          </ac:spMkLst>
-        </pc:spChg>
-        <pc:spChg chg="mod">
-          <ac:chgData name="Long B Nguyen" userId="f59fb8f3-a021-417a-8bc1-65c8d471c621" providerId="ADAL" clId="{DBF8C059-04A6-1547-9DE4-356B5DFE87B9}" dt="2019-11-01T12:53:15.752" v="7783" actId="20577"/>
-          <ac:spMkLst>
-            <pc:docMk/>
-            <pc:sldMk cId="3984246490" sldId="307"/>
-            <ac:spMk id="9" creationId="{E3B2E017-30B2-884B-A113-B419A2ED51AD}"/>
-          </ac:spMkLst>
-        </pc:spChg>
-      </pc:sldChg>
-      <pc:sldChg chg="modSp del modAnim">
-        <pc:chgData name="Long B Nguyen" userId="f59fb8f3-a021-417a-8bc1-65c8d471c621" providerId="ADAL" clId="{DBF8C059-04A6-1547-9DE4-356B5DFE87B9}" dt="2019-11-05T15:13:35.657" v="9409" actId="2696"/>
-        <pc:sldMkLst>
-          <pc:docMk/>
-          <pc:sldMk cId="3672999173" sldId="308"/>
-        </pc:sldMkLst>
-        <pc:spChg chg="mod">
-          <ac:chgData name="Long B Nguyen" userId="f59fb8f3-a021-417a-8bc1-65c8d471c621" providerId="ADAL" clId="{DBF8C059-04A6-1547-9DE4-356B5DFE87B9}" dt="2019-11-01T12:54:54.588" v="7820" actId="20577"/>
-          <ac:spMkLst>
-            <pc:docMk/>
-            <pc:sldMk cId="3672999173" sldId="308"/>
-            <ac:spMk id="9" creationId="{E3B2E017-30B2-884B-A113-B419A2ED51AD}"/>
-          </ac:spMkLst>
-        </pc:spChg>
-      </pc:sldChg>
-      <pc:sldChg chg="addSp delSp modSp del modAnim">
-        <pc:chgData name="Long B Nguyen" userId="f59fb8f3-a021-417a-8bc1-65c8d471c621" providerId="ADAL" clId="{DBF8C059-04A6-1547-9DE4-356B5DFE87B9}" dt="2019-11-05T15:13:35.624" v="9408" actId="2696"/>
-        <pc:sldMkLst>
-          <pc:docMk/>
-          <pc:sldMk cId="4055245160" sldId="310"/>
-        </pc:sldMkLst>
-        <pc:spChg chg="add del mod">
-          <ac:chgData name="Long B Nguyen" userId="f59fb8f3-a021-417a-8bc1-65c8d471c621" providerId="ADAL" clId="{DBF8C059-04A6-1547-9DE4-356B5DFE87B9}" dt="2019-11-01T13:05:26.484" v="8009"/>
-          <ac:spMkLst>
-            <pc:docMk/>
-            <pc:sldMk cId="4055245160" sldId="310"/>
-            <ac:spMk id="3" creationId="{4706D460-3FF5-4442-9BDD-A977E247260F}"/>
-          </ac:spMkLst>
-        </pc:spChg>
-        <pc:spChg chg="add mod">
-          <ac:chgData name="Long B Nguyen" userId="f59fb8f3-a021-417a-8bc1-65c8d471c621" providerId="ADAL" clId="{DBF8C059-04A6-1547-9DE4-356B5DFE87B9}" dt="2019-11-01T13:06:27.361" v="8070" actId="1037"/>
-          <ac:spMkLst>
-            <pc:docMk/>
-            <pc:sldMk cId="4055245160" sldId="310"/>
-            <ac:spMk id="4" creationId="{2A32A6EF-01FB-C94C-8CF8-E8F1A32E5C78}"/>
-          </ac:spMkLst>
-        </pc:spChg>
-        <pc:spChg chg="add mod">
-          <ac:chgData name="Long B Nguyen" userId="f59fb8f3-a021-417a-8bc1-65c8d471c621" providerId="ADAL" clId="{DBF8C059-04A6-1547-9DE4-356B5DFE87B9}" dt="2019-11-01T13:06:32.798" v="8074" actId="20577"/>
-          <ac:spMkLst>
-            <pc:docMk/>
-            <pc:sldMk cId="4055245160" sldId="310"/>
-            <ac:spMk id="6" creationId="{86A85409-1D8D-F749-86FB-8BF9670B22EF}"/>
-          </ac:spMkLst>
-        </pc:spChg>
-        <pc:spChg chg="mod">
-          <ac:chgData name="Long B Nguyen" userId="f59fb8f3-a021-417a-8bc1-65c8d471c621" providerId="ADAL" clId="{DBF8C059-04A6-1547-9DE4-356B5DFE87B9}" dt="2019-11-01T12:54:41.374" v="7804" actId="20577"/>
-          <ac:spMkLst>
-            <pc:docMk/>
-            <pc:sldMk cId="4055245160" sldId="310"/>
-            <ac:spMk id="9" creationId="{E3B2E017-30B2-884B-A113-B419A2ED51AD}"/>
-          </ac:spMkLst>
-        </pc:spChg>
-      </pc:sldChg>
-      <pc:sldChg chg="modSp del modAnim">
-        <pc:chgData name="Long B Nguyen" userId="f59fb8f3-a021-417a-8bc1-65c8d471c621" providerId="ADAL" clId="{DBF8C059-04A6-1547-9DE4-356B5DFE87B9}" dt="2019-11-05T15:13:35.677" v="9410" actId="2696"/>
-        <pc:sldMkLst>
-          <pc:docMk/>
-          <pc:sldMk cId="4210029770" sldId="311"/>
-        </pc:sldMkLst>
-        <pc:spChg chg="mod">
-          <ac:chgData name="Long B Nguyen" userId="f59fb8f3-a021-417a-8bc1-65c8d471c621" providerId="ADAL" clId="{DBF8C059-04A6-1547-9DE4-356B5DFE87B9}" dt="2019-11-01T12:55:08.065" v="7837" actId="20577"/>
-          <ac:spMkLst>
-            <pc:docMk/>
-            <pc:sldMk cId="4210029770" sldId="311"/>
-            <ac:spMk id="3" creationId="{4023DC8A-3C5D-324F-8DB0-21911EC4DFD1}"/>
-          </ac:spMkLst>
-        </pc:spChg>
-        <pc:spChg chg="mod">
-          <ac:chgData name="Long B Nguyen" userId="f59fb8f3-a021-417a-8bc1-65c8d471c621" providerId="ADAL" clId="{DBF8C059-04A6-1547-9DE4-356B5DFE87B9}" dt="2019-11-01T12:55:11.312" v="7842" actId="20577"/>
-          <ac:spMkLst>
-            <pc:docMk/>
-            <pc:sldMk cId="4210029770" sldId="311"/>
-            <ac:spMk id="5" creationId="{4BD8B7E0-415D-8B4F-8BA2-6F64FF7243AA}"/>
-          </ac:spMkLst>
-        </pc:spChg>
-        <pc:spChg chg="mod">
-          <ac:chgData name="Long B Nguyen" userId="f59fb8f3-a021-417a-8bc1-65c8d471c621" providerId="ADAL" clId="{DBF8C059-04A6-1547-9DE4-356B5DFE87B9}" dt="2019-11-01T12:55:04.458" v="7832" actId="20577"/>
-          <ac:spMkLst>
-            <pc:docMk/>
-            <pc:sldMk cId="4210029770" sldId="311"/>
-            <ac:spMk id="9" creationId="{E3B2E017-30B2-884B-A113-B419A2ED51AD}"/>
-          </ac:spMkLst>
-        </pc:spChg>
-      </pc:sldChg>
-      <pc:sldChg chg="modSp add del modAnim">
-        <pc:chgData name="Long B Nguyen" userId="f59fb8f3-a021-417a-8bc1-65c8d471c621" providerId="ADAL" clId="{DBF8C059-04A6-1547-9DE4-356B5DFE87B9}" dt="2019-11-05T15:13:35.724" v="9412" actId="2696"/>
-        <pc:sldMkLst>
-          <pc:docMk/>
-          <pc:sldMk cId="4152459930" sldId="312"/>
-        </pc:sldMkLst>
-        <pc:spChg chg="mod">
-          <ac:chgData name="Long B Nguyen" userId="f59fb8f3-a021-417a-8bc1-65c8d471c621" providerId="ADAL" clId="{DBF8C059-04A6-1547-9DE4-356B5DFE87B9}" dt="2019-10-24T15:49:17.681" v="1057"/>
-          <ac:spMkLst>
-            <pc:docMk/>
-            <pc:sldMk cId="4152459930" sldId="312"/>
-            <ac:spMk id="2" creationId="{AA3A228F-61D0-D949-A5E7-F83756230BF8}"/>
-          </ac:spMkLst>
-        </pc:spChg>
-        <pc:spChg chg="mod">
-          <ac:chgData name="Long B Nguyen" userId="f59fb8f3-a021-417a-8bc1-65c8d471c621" providerId="ADAL" clId="{DBF8C059-04A6-1547-9DE4-356B5DFE87B9}" dt="2019-11-01T12:55:33.778" v="7879" actId="20577"/>
-          <ac:spMkLst>
-            <pc:docMk/>
-            <pc:sldMk cId="4152459930" sldId="312"/>
-            <ac:spMk id="9" creationId="{E3B2E017-30B2-884B-A113-B419A2ED51AD}"/>
-          </ac:spMkLst>
-        </pc:spChg>
-      </pc:sldChg>
-      <pc:sldChg chg="addSp modSp add del modAnim">
-        <pc:chgData name="Long B Nguyen" userId="f59fb8f3-a021-417a-8bc1-65c8d471c621" providerId="ADAL" clId="{DBF8C059-04A6-1547-9DE4-356B5DFE87B9}" dt="2019-11-05T15:13:35.739" v="9413" actId="2696"/>
-        <pc:sldMkLst>
-          <pc:docMk/>
-          <pc:sldMk cId="2332116064" sldId="313"/>
-        </pc:sldMkLst>
-        <pc:spChg chg="add mod">
-          <ac:chgData name="Long B Nguyen" userId="f59fb8f3-a021-417a-8bc1-65c8d471c621" providerId="ADAL" clId="{DBF8C059-04A6-1547-9DE4-356B5DFE87B9}" dt="2019-11-02T04:37:42.703" v="8239" actId="20577"/>
-          <ac:spMkLst>
-            <pc:docMk/>
-            <pc:sldMk cId="2332116064" sldId="313"/>
-            <ac:spMk id="4" creationId="{12000D1C-7CA0-524B-9460-20C7196D0833}"/>
-          </ac:spMkLst>
-        </pc:spChg>
-        <pc:spChg chg="mod">
-          <ac:chgData name="Long B Nguyen" userId="f59fb8f3-a021-417a-8bc1-65c8d471c621" providerId="ADAL" clId="{DBF8C059-04A6-1547-9DE4-356B5DFE87B9}" dt="2019-11-02T04:37:50.665" v="8241" actId="20577"/>
-          <ac:spMkLst>
-            <pc:docMk/>
-            <pc:sldMk cId="2332116064" sldId="313"/>
-            <ac:spMk id="9" creationId="{E3B2E017-30B2-884B-A113-B419A2ED51AD}"/>
-          </ac:spMkLst>
-        </pc:spChg>
-        <pc:cxnChg chg="add mod">
-          <ac:chgData name="Long B Nguyen" userId="f59fb8f3-a021-417a-8bc1-65c8d471c621" providerId="ADAL" clId="{DBF8C059-04A6-1547-9DE4-356B5DFE87B9}" dt="2019-11-02T04:37:34.932" v="8235" actId="14100"/>
-          <ac:cxnSpMkLst>
-            <pc:docMk/>
-            <pc:sldMk cId="2332116064" sldId="313"/>
-            <ac:cxnSpMk id="5" creationId="{7744E205-59FC-A146-86D1-88C72F6C27FB}"/>
-          </ac:cxnSpMkLst>
-        </pc:cxnChg>
-      </pc:sldChg>
-      <pc:sldChg chg="delSp modSp add del modAnim">
-        <pc:chgData name="Long B Nguyen" userId="f59fb8f3-a021-417a-8bc1-65c8d471c621" providerId="ADAL" clId="{DBF8C059-04A6-1547-9DE4-356B5DFE87B9}" dt="2019-11-05T15:13:35.753" v="9414" actId="2696"/>
-        <pc:sldMkLst>
-          <pc:docMk/>
-          <pc:sldMk cId="1565173198" sldId="314"/>
-        </pc:sldMkLst>
-        <pc:spChg chg="mod">
-          <ac:chgData name="Long B Nguyen" userId="f59fb8f3-a021-417a-8bc1-65c8d471c621" providerId="ADAL" clId="{DBF8C059-04A6-1547-9DE4-356B5DFE87B9}" dt="2019-10-24T16:00:48.970" v="1326" actId="20577"/>
-          <ac:spMkLst>
-            <pc:docMk/>
-            <pc:sldMk cId="1565173198" sldId="314"/>
-            <ac:spMk id="2" creationId="{AA3A228F-61D0-D949-A5E7-F83756230BF8}"/>
-          </ac:spMkLst>
-        </pc:spChg>
-        <pc:spChg chg="del">
-          <ac:chgData name="Long B Nguyen" userId="f59fb8f3-a021-417a-8bc1-65c8d471c621" providerId="ADAL" clId="{DBF8C059-04A6-1547-9DE4-356B5DFE87B9}" dt="2019-10-24T16:02:34.320" v="1687" actId="478"/>
-          <ac:spMkLst>
-            <pc:docMk/>
-            <pc:sldMk cId="1565173198" sldId="314"/>
-            <ac:spMk id="3" creationId="{4023DC8A-3C5D-324F-8DB0-21911EC4DFD1}"/>
-          </ac:spMkLst>
-        </pc:spChg>
-        <pc:spChg chg="del">
-          <ac:chgData name="Long B Nguyen" userId="f59fb8f3-a021-417a-8bc1-65c8d471c621" providerId="ADAL" clId="{DBF8C059-04A6-1547-9DE4-356B5DFE87B9}" dt="2019-10-24T16:02:41.067" v="1689" actId="478"/>
-          <ac:spMkLst>
-            <pc:docMk/>
-            <pc:sldMk cId="1565173198" sldId="314"/>
-            <ac:spMk id="5" creationId="{4BD8B7E0-415D-8B4F-8BA2-6F64FF7243AA}"/>
-          </ac:spMkLst>
-        </pc:spChg>
-        <pc:spChg chg="mod">
-          <ac:chgData name="Long B Nguyen" userId="f59fb8f3-a021-417a-8bc1-65c8d471c621" providerId="ADAL" clId="{DBF8C059-04A6-1547-9DE4-356B5DFE87B9}" dt="2019-10-24T16:07:38.885" v="1900" actId="20577"/>
-          <ac:spMkLst>
-            <pc:docMk/>
-            <pc:sldMk cId="1565173198" sldId="314"/>
-            <ac:spMk id="9" creationId="{E3B2E017-30B2-884B-A113-B419A2ED51AD}"/>
-          </ac:spMkLst>
-        </pc:spChg>
-      </pc:sldChg>
-      <pc:sldChg chg="modSp add del modAnim">
-        <pc:chgData name="Long B Nguyen" userId="f59fb8f3-a021-417a-8bc1-65c8d471c621" providerId="ADAL" clId="{DBF8C059-04A6-1547-9DE4-356B5DFE87B9}" dt="2019-11-05T15:13:35.769" v="9415" actId="2696"/>
-        <pc:sldMkLst>
-          <pc:docMk/>
-          <pc:sldMk cId="3659811964" sldId="315"/>
-        </pc:sldMkLst>
-        <pc:spChg chg="mod">
-          <ac:chgData name="Long B Nguyen" userId="f59fb8f3-a021-417a-8bc1-65c8d471c621" providerId="ADAL" clId="{DBF8C059-04A6-1547-9DE4-356B5DFE87B9}" dt="2019-10-24T16:14:17.736" v="2563" actId="20577"/>
-          <ac:spMkLst>
-            <pc:docMk/>
-            <pc:sldMk cId="3659811964" sldId="315"/>
-            <ac:spMk id="9" creationId="{E3B2E017-30B2-884B-A113-B419A2ED51AD}"/>
-          </ac:spMkLst>
-        </pc:spChg>
-      </pc:sldChg>
-      <pc:sldChg chg="delSp modSp add del modAnim">
-        <pc:chgData name="Long B Nguyen" userId="f59fb8f3-a021-417a-8bc1-65c8d471c621" providerId="ADAL" clId="{DBF8C059-04A6-1547-9DE4-356B5DFE87B9}" dt="2019-11-05T15:13:35.792" v="9417" actId="2696"/>
-        <pc:sldMkLst>
-          <pc:docMk/>
-          <pc:sldMk cId="2536712643" sldId="317"/>
-        </pc:sldMkLst>
-        <pc:spChg chg="mod">
-          <ac:chgData name="Long B Nguyen" userId="f59fb8f3-a021-417a-8bc1-65c8d471c621" providerId="ADAL" clId="{DBF8C059-04A6-1547-9DE4-356B5DFE87B9}" dt="2019-10-24T16:26:05.116" v="3274" actId="20577"/>
-          <ac:spMkLst>
-            <pc:docMk/>
-            <pc:sldMk cId="2536712643" sldId="317"/>
-            <ac:spMk id="2" creationId="{AA3A228F-61D0-D949-A5E7-F83756230BF8}"/>
-          </ac:spMkLst>
-        </pc:spChg>
-        <pc:spChg chg="del mod">
-          <ac:chgData name="Long B Nguyen" userId="f59fb8f3-a021-417a-8bc1-65c8d471c621" providerId="ADAL" clId="{DBF8C059-04A6-1547-9DE4-356B5DFE87B9}" dt="2019-10-24T16:17:57.879" v="2653" actId="478"/>
-          <ac:spMkLst>
-            <pc:docMk/>
-            <pc:sldMk cId="2536712643" sldId="317"/>
-            <ac:spMk id="6" creationId="{76E456FD-D331-974E-9966-139D852DE6B8}"/>
-          </ac:spMkLst>
-        </pc:spChg>
-        <pc:spChg chg="mod">
-          <ac:chgData name="Long B Nguyen" userId="f59fb8f3-a021-417a-8bc1-65c8d471c621" providerId="ADAL" clId="{DBF8C059-04A6-1547-9DE4-356B5DFE87B9}" dt="2019-10-25T11:34:15.605" v="7255" actId="255"/>
-          <ac:spMkLst>
-            <pc:docMk/>
-            <pc:sldMk cId="2536712643" sldId="317"/>
-            <ac:spMk id="9" creationId="{E3B2E017-30B2-884B-A113-B419A2ED51AD}"/>
-          </ac:spMkLst>
-        </pc:spChg>
-        <pc:picChg chg="del">
-          <ac:chgData name="Long B Nguyen" userId="f59fb8f3-a021-417a-8bc1-65c8d471c621" providerId="ADAL" clId="{DBF8C059-04A6-1547-9DE4-356B5DFE87B9}" dt="2019-10-24T16:18:43.278" v="2737" actId="478"/>
-          <ac:picMkLst>
-            <pc:docMk/>
-            <pc:sldMk cId="2536712643" sldId="317"/>
-            <ac:picMk id="3" creationId="{9A8E9CD0-D9B3-8E4C-9599-C519FA3BF22B}"/>
-          </ac:picMkLst>
-        </pc:picChg>
-        <pc:picChg chg="del">
-          <ac:chgData name="Long B Nguyen" userId="f59fb8f3-a021-417a-8bc1-65c8d471c621" providerId="ADAL" clId="{DBF8C059-04A6-1547-9DE4-356B5DFE87B9}" dt="2019-10-24T16:18:45.408" v="2739" actId="478"/>
-          <ac:picMkLst>
-            <pc:docMk/>
-            <pc:sldMk cId="2536712643" sldId="317"/>
-            <ac:picMk id="7" creationId="{09184722-0D16-5E47-A514-4348651A24BB}"/>
-          </ac:picMkLst>
-        </pc:picChg>
-        <pc:picChg chg="del">
-          <ac:chgData name="Long B Nguyen" userId="f59fb8f3-a021-417a-8bc1-65c8d471c621" providerId="ADAL" clId="{DBF8C059-04A6-1547-9DE4-356B5DFE87B9}" dt="2019-10-24T16:18:44.494" v="2738" actId="478"/>
-          <ac:picMkLst>
-            <pc:docMk/>
-            <pc:sldMk cId="2536712643" sldId="317"/>
-            <ac:picMk id="8" creationId="{778F82F4-110D-C843-8F5C-71BDAE030887}"/>
-          </ac:picMkLst>
-        </pc:picChg>
-        <pc:cxnChg chg="del">
-          <ac:chgData name="Long B Nguyen" userId="f59fb8f3-a021-417a-8bc1-65c8d471c621" providerId="ADAL" clId="{DBF8C059-04A6-1547-9DE4-356B5DFE87B9}" dt="2019-10-24T16:18:48.561" v="2741" actId="478"/>
-          <ac:cxnSpMkLst>
-            <pc:docMk/>
-            <pc:sldMk cId="2536712643" sldId="317"/>
-            <ac:cxnSpMk id="10" creationId="{79C2D392-8520-8A48-983C-712692DD187A}"/>
-          </ac:cxnSpMkLst>
-        </pc:cxnChg>
-      </pc:sldChg>
-      <pc:sldChg chg="modSp add del modAnim">
-        <pc:chgData name="Long B Nguyen" userId="f59fb8f3-a021-417a-8bc1-65c8d471c621" providerId="ADAL" clId="{DBF8C059-04A6-1547-9DE4-356B5DFE87B9}" dt="2019-11-05T15:13:35.802" v="9418" actId="2696"/>
-        <pc:sldMkLst>
-          <pc:docMk/>
-          <pc:sldMk cId="3127700614" sldId="318"/>
-        </pc:sldMkLst>
-        <pc:spChg chg="mod">
-          <ac:chgData name="Long B Nguyen" userId="f59fb8f3-a021-417a-8bc1-65c8d471c621" providerId="ADAL" clId="{DBF8C059-04A6-1547-9DE4-356B5DFE87B9}" dt="2019-10-24T16:26:17.870" v="3317" actId="20577"/>
-          <ac:spMkLst>
-            <pc:docMk/>
-            <pc:sldMk cId="3127700614" sldId="318"/>
-            <ac:spMk id="2" creationId="{AA3A228F-61D0-D949-A5E7-F83756230BF8}"/>
-          </ac:spMkLst>
-        </pc:spChg>
-        <pc:spChg chg="mod">
-          <ac:chgData name="Long B Nguyen" userId="f59fb8f3-a021-417a-8bc1-65c8d471c621" providerId="ADAL" clId="{DBF8C059-04A6-1547-9DE4-356B5DFE87B9}" dt="2019-10-25T11:34:20.050" v="7256" actId="255"/>
-          <ac:spMkLst>
-            <pc:docMk/>
-            <pc:sldMk cId="3127700614" sldId="318"/>
-            <ac:spMk id="9" creationId="{E3B2E017-30B2-884B-A113-B419A2ED51AD}"/>
-          </ac:spMkLst>
-        </pc:spChg>
-      </pc:sldChg>
-      <pc:sldChg chg="modSp add del modAnim">
-        <pc:chgData name="Long B Nguyen" userId="f59fb8f3-a021-417a-8bc1-65c8d471c621" providerId="ADAL" clId="{DBF8C059-04A6-1547-9DE4-356B5DFE87B9}" dt="2019-11-05T15:13:35.825" v="9419" actId="2696"/>
-        <pc:sldMkLst>
-          <pc:docMk/>
-          <pc:sldMk cId="2618277182" sldId="319"/>
-        </pc:sldMkLst>
-        <pc:spChg chg="mod">
-          <ac:chgData name="Long B Nguyen" userId="f59fb8f3-a021-417a-8bc1-65c8d471c621" providerId="ADAL" clId="{DBF8C059-04A6-1547-9DE4-356B5DFE87B9}" dt="2019-10-24T16:31:23.701" v="3660" actId="20577"/>
-          <ac:spMkLst>
-            <pc:docMk/>
-            <pc:sldMk cId="2618277182" sldId="319"/>
-            <ac:spMk id="2" creationId="{AA3A228F-61D0-D949-A5E7-F83756230BF8}"/>
-          </ac:spMkLst>
-        </pc:spChg>
-        <pc:spChg chg="mod">
-          <ac:chgData name="Long B Nguyen" userId="f59fb8f3-a021-417a-8bc1-65c8d471c621" providerId="ADAL" clId="{DBF8C059-04A6-1547-9DE4-356B5DFE87B9}" dt="2019-10-25T11:34:08.660" v="7254" actId="255"/>
-          <ac:spMkLst>
-            <pc:docMk/>
-            <pc:sldMk cId="2618277182" sldId="319"/>
-            <ac:spMk id="9" creationId="{E3B2E017-30B2-884B-A113-B419A2ED51AD}"/>
-          </ac:spMkLst>
-        </pc:spChg>
-      </pc:sldChg>
-      <pc:sldChg chg="addSp modSp add del modAnim">
-        <pc:chgData name="Long B Nguyen" userId="f59fb8f3-a021-417a-8bc1-65c8d471c621" providerId="ADAL" clId="{DBF8C059-04A6-1547-9DE4-356B5DFE87B9}" dt="2019-11-05T15:13:35.851" v="9420" actId="2696"/>
-        <pc:sldMkLst>
-          <pc:docMk/>
-          <pc:sldMk cId="617958515" sldId="320"/>
-        </pc:sldMkLst>
-        <pc:spChg chg="mod">
-          <ac:chgData name="Long B Nguyen" userId="f59fb8f3-a021-417a-8bc1-65c8d471c621" providerId="ADAL" clId="{DBF8C059-04A6-1547-9DE4-356B5DFE87B9}" dt="2019-10-24T16:41:04.291" v="4280" actId="1076"/>
-          <ac:spMkLst>
-            <pc:docMk/>
-            <pc:sldMk cId="617958515" sldId="320"/>
-            <ac:spMk id="2" creationId="{AA3A228F-61D0-D949-A5E7-F83756230BF8}"/>
-          </ac:spMkLst>
-        </pc:spChg>
-        <pc:spChg chg="add mod">
-          <ac:chgData name="Long B Nguyen" userId="f59fb8f3-a021-417a-8bc1-65c8d471c621" providerId="ADAL" clId="{DBF8C059-04A6-1547-9DE4-356B5DFE87B9}" dt="2019-10-24T16:41:28.889" v="4302" actId="1076"/>
-          <ac:spMkLst>
-            <pc:docMk/>
-            <pc:sldMk cId="617958515" sldId="320"/>
-            <ac:spMk id="3" creationId="{CBF1DCD8-E79C-7640-9361-6F12D8D51BFD}"/>
-          </ac:spMkLst>
-        </pc:spChg>
-        <pc:spChg chg="add mod">
-          <ac:chgData name="Long B Nguyen" userId="f59fb8f3-a021-417a-8bc1-65c8d471c621" providerId="ADAL" clId="{DBF8C059-04A6-1547-9DE4-356B5DFE87B9}" dt="2019-10-24T16:45:16.522" v="4360" actId="1076"/>
-          <ac:spMkLst>
-            <pc:docMk/>
-            <pc:sldMk cId="617958515" sldId="320"/>
-            <ac:spMk id="5" creationId="{07E658D0-F51D-4B42-9A99-A8C5CB5CC1B7}"/>
-          </ac:spMkLst>
-        </pc:spChg>
-        <pc:spChg chg="mod">
-          <ac:chgData name="Long B Nguyen" userId="f59fb8f3-a021-417a-8bc1-65c8d471c621" providerId="ADAL" clId="{DBF8C059-04A6-1547-9DE4-356B5DFE87B9}" dt="2019-10-24T16:40:55.123" v="4272" actId="14100"/>
-          <ac:spMkLst>
-            <pc:docMk/>
-            <pc:sldMk cId="617958515" sldId="320"/>
-            <ac:spMk id="9" creationId="{E3B2E017-30B2-884B-A113-B419A2ED51AD}"/>
-          </ac:spMkLst>
-        </pc:spChg>
-      </pc:sldChg>
-      <pc:sldChg chg="addSp delSp modSp add del modAnim">
-        <pc:chgData name="Long B Nguyen" userId="f59fb8f3-a021-417a-8bc1-65c8d471c621" providerId="ADAL" clId="{DBF8C059-04A6-1547-9DE4-356B5DFE87B9}" dt="2019-11-05T15:13:35.879" v="9421" actId="2696"/>
-        <pc:sldMkLst>
-          <pc:docMk/>
-          <pc:sldMk cId="3039307715" sldId="321"/>
-        </pc:sldMkLst>
-        <pc:spChg chg="mod">
-          <ac:chgData name="Long B Nguyen" userId="f59fb8f3-a021-417a-8bc1-65c8d471c621" providerId="ADAL" clId="{DBF8C059-04A6-1547-9DE4-356B5DFE87B9}" dt="2019-10-24T16:50:33.307" v="4582" actId="1076"/>
-          <ac:spMkLst>
-            <pc:docMk/>
-            <pc:sldMk cId="3039307715" sldId="321"/>
-            <ac:spMk id="3" creationId="{CBF1DCD8-E79C-7640-9361-6F12D8D51BFD}"/>
-          </ac:spMkLst>
-        </pc:spChg>
-        <pc:spChg chg="del mod">
-          <ac:chgData name="Long B Nguyen" userId="f59fb8f3-a021-417a-8bc1-65c8d471c621" providerId="ADAL" clId="{DBF8C059-04A6-1547-9DE4-356B5DFE87B9}" dt="2019-10-24T16:45:19.364" v="4361" actId="478"/>
-          <ac:spMkLst>
-            <pc:docMk/>
-            <pc:sldMk cId="3039307715" sldId="321"/>
-            <ac:spMk id="5" creationId="{07E658D0-F51D-4B42-9A99-A8C5CB5CC1B7}"/>
-          </ac:spMkLst>
-        </pc:spChg>
-        <pc:spChg chg="add mod">
-          <ac:chgData name="Long B Nguyen" userId="f59fb8f3-a021-417a-8bc1-65c8d471c621" providerId="ADAL" clId="{DBF8C059-04A6-1547-9DE4-356B5DFE87B9}" dt="2019-10-24T16:50:30.279" v="4581" actId="1076"/>
-          <ac:spMkLst>
-            <pc:docMk/>
-            <pc:sldMk cId="3039307715" sldId="321"/>
-            <ac:spMk id="6" creationId="{B7AB2EA4-48CC-FD46-9632-CD4301E82099}"/>
-          </ac:spMkLst>
-        </pc:spChg>
-        <pc:spChg chg="add mod">
-          <ac:chgData name="Long B Nguyen" userId="f59fb8f3-a021-417a-8bc1-65c8d471c621" providerId="ADAL" clId="{DBF8C059-04A6-1547-9DE4-356B5DFE87B9}" dt="2019-10-24T16:50:27.468" v="4580" actId="1076"/>
-          <ac:spMkLst>
-            <pc:docMk/>
-            <pc:sldMk cId="3039307715" sldId="321"/>
-            <ac:spMk id="7" creationId="{A1C0BD5B-7A70-614C-8F08-877F246D65C4}"/>
-          </ac:spMkLst>
-        </pc:spChg>
-        <pc:cxnChg chg="add mod">
-          <ac:chgData name="Long B Nguyen" userId="f59fb8f3-a021-417a-8bc1-65c8d471c621" providerId="ADAL" clId="{DBF8C059-04A6-1547-9DE4-356B5DFE87B9}" dt="2019-10-24T17:26:57.380" v="4664" actId="1076"/>
-          <ac:cxnSpMkLst>
-            <pc:docMk/>
-            <pc:sldMk cId="3039307715" sldId="321"/>
-            <ac:cxnSpMk id="5" creationId="{6A41E33A-3774-3740-BA11-D4C900D6705F}"/>
-          </ac:cxnSpMkLst>
-        </pc:cxnChg>
-        <pc:cxnChg chg="add mod">
-          <ac:chgData name="Long B Nguyen" userId="f59fb8f3-a021-417a-8bc1-65c8d471c621" providerId="ADAL" clId="{DBF8C059-04A6-1547-9DE4-356B5DFE87B9}" dt="2019-10-24T17:27:08.213" v="4669" actId="14100"/>
-          <ac:cxnSpMkLst>
-            <pc:docMk/>
-            <pc:sldMk cId="3039307715" sldId="321"/>
-            <ac:cxnSpMk id="11" creationId="{0DDE5314-648F-5C4B-BB48-3769B65DC2C6}"/>
-          </ac:cxnSpMkLst>
-        </pc:cxnChg>
-      </pc:sldChg>
-      <pc:sldChg chg="addSp delSp modSp add del modAnim">
-        <pc:chgData name="Long B Nguyen" userId="f59fb8f3-a021-417a-8bc1-65c8d471c621" providerId="ADAL" clId="{DBF8C059-04A6-1547-9DE4-356B5DFE87B9}" dt="2019-11-05T15:13:35.892" v="9422" actId="2696"/>
-        <pc:sldMkLst>
-          <pc:docMk/>
-          <pc:sldMk cId="3096583072" sldId="323"/>
-        </pc:sldMkLst>
-        <pc:spChg chg="mod">
-          <ac:chgData name="Long B Nguyen" userId="f59fb8f3-a021-417a-8bc1-65c8d471c621" providerId="ADAL" clId="{DBF8C059-04A6-1547-9DE4-356B5DFE87B9}" dt="2019-10-24T17:27:36.349" v="4681" actId="20577"/>
-          <ac:spMkLst>
-            <pc:docMk/>
-            <pc:sldMk cId="3096583072" sldId="323"/>
-            <ac:spMk id="7" creationId="{A1C0BD5B-7A70-614C-8F08-877F246D65C4}"/>
-          </ac:spMkLst>
-        </pc:spChg>
-        <pc:spChg chg="add mod">
-          <ac:chgData name="Long B Nguyen" userId="f59fb8f3-a021-417a-8bc1-65c8d471c621" providerId="ADAL" clId="{DBF8C059-04A6-1547-9DE4-356B5DFE87B9}" dt="2019-10-24T18:36:46.358" v="5031" actId="20577"/>
-          <ac:spMkLst>
-            <pc:docMk/>
-            <pc:sldMk cId="3096583072" sldId="323"/>
-            <ac:spMk id="10" creationId="{6F2E737A-829E-5A45-9E9D-A706B719CBB7}"/>
-          </ac:spMkLst>
-        </pc:spChg>
-        <pc:cxnChg chg="mod">
-          <ac:chgData name="Long B Nguyen" userId="f59fb8f3-a021-417a-8bc1-65c8d471c621" providerId="ADAL" clId="{DBF8C059-04A6-1547-9DE4-356B5DFE87B9}" dt="2019-10-24T17:28:41.528" v="4820" actId="14100"/>
-          <ac:cxnSpMkLst>
-            <pc:docMk/>
-            <pc:sldMk cId="3096583072" sldId="323"/>
-            <ac:cxnSpMk id="5" creationId="{6A41E33A-3774-3740-BA11-D4C900D6705F}"/>
-          </ac:cxnSpMkLst>
-        </pc:cxnChg>
-        <pc:cxnChg chg="del">
-          <ac:chgData name="Long B Nguyen" userId="f59fb8f3-a021-417a-8bc1-65c8d471c621" providerId="ADAL" clId="{DBF8C059-04A6-1547-9DE4-356B5DFE87B9}" dt="2019-10-24T17:28:32.771" v="4818" actId="478"/>
-          <ac:cxnSpMkLst>
-            <pc:docMk/>
-            <pc:sldMk cId="3096583072" sldId="323"/>
-            <ac:cxnSpMk id="11" creationId="{0DDE5314-648F-5C4B-BB48-3769B65DC2C6}"/>
-          </ac:cxnSpMkLst>
-        </pc:cxnChg>
-        <pc:cxnChg chg="add mod">
-          <ac:chgData name="Long B Nguyen" userId="f59fb8f3-a021-417a-8bc1-65c8d471c621" providerId="ADAL" clId="{DBF8C059-04A6-1547-9DE4-356B5DFE87B9}" dt="2019-10-24T17:28:48.736" v="4823" actId="14100"/>
-          <ac:cxnSpMkLst>
-            <pc:docMk/>
-            <pc:sldMk cId="3096583072" sldId="323"/>
-            <ac:cxnSpMk id="12" creationId="{8D88494F-D4E7-AB49-840B-85C05CBDC54E}"/>
-          </ac:cxnSpMkLst>
-        </pc:cxnChg>
-        <pc:cxnChg chg="add mod">
-          <ac:chgData name="Long B Nguyen" userId="f59fb8f3-a021-417a-8bc1-65c8d471c621" providerId="ADAL" clId="{DBF8C059-04A6-1547-9DE4-356B5DFE87B9}" dt="2019-10-24T17:28:55.107" v="4826" actId="14100"/>
-          <ac:cxnSpMkLst>
-            <pc:docMk/>
-            <pc:sldMk cId="3096583072" sldId="323"/>
-            <ac:cxnSpMk id="15" creationId="{9CBB605F-FC67-2643-BAAB-52326BF11806}"/>
-          </ac:cxnSpMkLst>
-        </pc:cxnChg>
-        <pc:cxnChg chg="add mod">
-          <ac:chgData name="Long B Nguyen" userId="f59fb8f3-a021-417a-8bc1-65c8d471c621" providerId="ADAL" clId="{DBF8C059-04A6-1547-9DE4-356B5DFE87B9}" dt="2019-10-24T17:29:02.324" v="4829" actId="14100"/>
-          <ac:cxnSpMkLst>
-            <pc:docMk/>
-            <pc:sldMk cId="3096583072" sldId="323"/>
-            <ac:cxnSpMk id="18" creationId="{F28B016A-60E6-2941-B6A9-C3C4FB6646FA}"/>
-          </ac:cxnSpMkLst>
-        </pc:cxnChg>
-      </pc:sldChg>
-      <pc:sldChg chg="addSp delSp modSp add del modAnim">
-        <pc:chgData name="Long B Nguyen" userId="f59fb8f3-a021-417a-8bc1-65c8d471c621" providerId="ADAL" clId="{DBF8C059-04A6-1547-9DE4-356B5DFE87B9}" dt="2019-11-05T15:13:35.914" v="9423" actId="2696"/>
-        <pc:sldMkLst>
-          <pc:docMk/>
-          <pc:sldMk cId="3753341527" sldId="324"/>
-        </pc:sldMkLst>
-        <pc:spChg chg="mod">
-          <ac:chgData name="Long B Nguyen" userId="f59fb8f3-a021-417a-8bc1-65c8d471c621" providerId="ADAL" clId="{DBF8C059-04A6-1547-9DE4-356B5DFE87B9}" dt="2019-10-25T01:13:18.251" v="6361" actId="20577"/>
-          <ac:spMkLst>
-            <pc:docMk/>
-            <pc:sldMk cId="3753341527" sldId="324"/>
-            <ac:spMk id="2" creationId="{AA3A228F-61D0-D949-A5E7-F83756230BF8}"/>
-          </ac:spMkLst>
-        </pc:spChg>
-        <pc:spChg chg="add del">
-          <ac:chgData name="Long B Nguyen" userId="f59fb8f3-a021-417a-8bc1-65c8d471c621" providerId="ADAL" clId="{DBF8C059-04A6-1547-9DE4-356B5DFE87B9}" dt="2019-10-25T01:13:10.954" v="6354"/>
-          <ac:spMkLst>
-            <pc:docMk/>
-            <pc:sldMk cId="3753341527" sldId="324"/>
-            <ac:spMk id="3" creationId="{C1412674-9C94-724C-93BF-3EDA84CAFBBA}"/>
-          </ac:spMkLst>
-        </pc:spChg>
-        <pc:spChg chg="mod">
-          <ac:chgData name="Long B Nguyen" userId="f59fb8f3-a021-417a-8bc1-65c8d471c621" providerId="ADAL" clId="{DBF8C059-04A6-1547-9DE4-356B5DFE87B9}" dt="2019-10-25T01:22:09.182" v="6745" actId="20577"/>
-          <ac:spMkLst>
-            <pc:docMk/>
-            <pc:sldMk cId="3753341527" sldId="324"/>
-            <ac:spMk id="9" creationId="{E3B2E017-30B2-884B-A113-B419A2ED51AD}"/>
-          </ac:spMkLst>
-        </pc:spChg>
-      </pc:sldChg>
-      <pc:sldChg chg="addSp delSp modSp add del">
-        <pc:chgData name="Long B Nguyen" userId="f59fb8f3-a021-417a-8bc1-65c8d471c621" providerId="ADAL" clId="{DBF8C059-04A6-1547-9DE4-356B5DFE87B9}" dt="2019-11-05T15:13:36.006" v="9426" actId="2696"/>
-        <pc:sldMkLst>
-          <pc:docMk/>
-          <pc:sldMk cId="3750016062" sldId="325"/>
-        </pc:sldMkLst>
-        <pc:spChg chg="mod">
-          <ac:chgData name="Long B Nguyen" userId="f59fb8f3-a021-417a-8bc1-65c8d471c621" providerId="ADAL" clId="{DBF8C059-04A6-1547-9DE4-356B5DFE87B9}" dt="2019-10-24T18:43:05.960" v="5331" actId="20577"/>
-          <ac:spMkLst>
-            <pc:docMk/>
-            <pc:sldMk cId="3750016062" sldId="325"/>
-            <ac:spMk id="2" creationId="{AA3A228F-61D0-D949-A5E7-F83756230BF8}"/>
-          </ac:spMkLst>
-        </pc:spChg>
-        <pc:spChg chg="add del mod">
-          <ac:chgData name="Long B Nguyen" userId="f59fb8f3-a021-417a-8bc1-65c8d471c621" providerId="ADAL" clId="{DBF8C059-04A6-1547-9DE4-356B5DFE87B9}" dt="2019-10-25T01:11:18.207" v="6352" actId="478"/>
-          <ac:spMkLst>
-            <pc:docMk/>
-            <pc:sldMk cId="3750016062" sldId="325"/>
-            <ac:spMk id="3" creationId="{95FC1A93-95D1-E24F-823F-35570F88F850}"/>
-          </ac:spMkLst>
-        </pc:spChg>
-        <pc:spChg chg="add mod">
-          <ac:chgData name="Long B Nguyen" userId="f59fb8f3-a021-417a-8bc1-65c8d471c621" providerId="ADAL" clId="{DBF8C059-04A6-1547-9DE4-356B5DFE87B9}" dt="2019-10-24T18:48:50.665" v="5616" actId="1076"/>
-          <ac:spMkLst>
-            <pc:docMk/>
-            <pc:sldMk cId="3750016062" sldId="325"/>
-            <ac:spMk id="5" creationId="{F21AFD8D-397E-3342-9FCC-026A00C2F153}"/>
-          </ac:spMkLst>
-        </pc:spChg>
-        <pc:spChg chg="mod">
-          <ac:chgData name="Long B Nguyen" userId="f59fb8f3-a021-417a-8bc1-65c8d471c621" providerId="ADAL" clId="{DBF8C059-04A6-1547-9DE4-356B5DFE87B9}" dt="2019-10-24T18:48:38.756" v="5612" actId="20577"/>
-          <ac:spMkLst>
-            <pc:docMk/>
-            <pc:sldMk cId="3750016062" sldId="325"/>
-            <ac:spMk id="9" creationId="{E3B2E017-30B2-884B-A113-B419A2ED51AD}"/>
-          </ac:spMkLst>
-        </pc:spChg>
-      </pc:sldChg>
-      <pc:sldChg chg="addSp delSp modSp add del modAnim">
-        <pc:chgData name="Long B Nguyen" userId="f59fb8f3-a021-417a-8bc1-65c8d471c621" providerId="ADAL" clId="{DBF8C059-04A6-1547-9DE4-356B5DFE87B9}" dt="2019-11-05T15:13:36.044" v="9427" actId="2696"/>
-        <pc:sldMkLst>
-          <pc:docMk/>
-          <pc:sldMk cId="3748840513" sldId="326"/>
-        </pc:sldMkLst>
-        <pc:spChg chg="mod">
-          <ac:chgData name="Long B Nguyen" userId="f59fb8f3-a021-417a-8bc1-65c8d471c621" providerId="ADAL" clId="{DBF8C059-04A6-1547-9DE4-356B5DFE87B9}" dt="2019-10-24T18:54:14.402" v="5852" actId="1076"/>
-          <ac:spMkLst>
-            <pc:docMk/>
-            <pc:sldMk cId="3748840513" sldId="326"/>
-            <ac:spMk id="2" creationId="{AA3A228F-61D0-D949-A5E7-F83756230BF8}"/>
-          </ac:spMkLst>
-        </pc:spChg>
-        <pc:spChg chg="del">
-          <ac:chgData name="Long B Nguyen" userId="f59fb8f3-a021-417a-8bc1-65c8d471c621" providerId="ADAL" clId="{DBF8C059-04A6-1547-9DE4-356B5DFE87B9}" dt="2019-10-24T18:48:57.438" v="5618" actId="478"/>
-          <ac:spMkLst>
-            <pc:docMk/>
-            <pc:sldMk cId="3748840513" sldId="326"/>
-            <ac:spMk id="3" creationId="{95FC1A93-95D1-E24F-823F-35570F88F850}"/>
-          </ac:spMkLst>
-        </pc:spChg>
-        <pc:spChg chg="add del mod">
-          <ac:chgData name="Long B Nguyen" userId="f59fb8f3-a021-417a-8bc1-65c8d471c621" providerId="ADAL" clId="{DBF8C059-04A6-1547-9DE4-356B5DFE87B9}" dt="2019-10-25T11:29:26.212" v="7066"/>
-          <ac:spMkLst>
-            <pc:docMk/>
-            <pc:sldMk cId="3748840513" sldId="326"/>
-            <ac:spMk id="4" creationId="{D08B1E0D-D64D-1444-90B6-1640231ABE68}"/>
-          </ac:spMkLst>
-        </pc:spChg>
-        <pc:spChg chg="mod">
-          <ac:chgData name="Long B Nguyen" userId="f59fb8f3-a021-417a-8bc1-65c8d471c621" providerId="ADAL" clId="{DBF8C059-04A6-1547-9DE4-356B5DFE87B9}" dt="2019-10-24T18:54:47.263" v="5865" actId="1076"/>
-          <ac:spMkLst>
-            <pc:docMk/>
-            <pc:sldMk cId="3748840513" sldId="326"/>
-            <ac:spMk id="5" creationId="{F21AFD8D-397E-3342-9FCC-026A00C2F153}"/>
-          </ac:spMkLst>
-        </pc:spChg>
-        <pc:spChg chg="add mod">
-          <ac:chgData name="Long B Nguyen" userId="f59fb8f3-a021-417a-8bc1-65c8d471c621" providerId="ADAL" clId="{DBF8C059-04A6-1547-9DE4-356B5DFE87B9}" dt="2019-10-24T19:04:48.251" v="6342" actId="1076"/>
-          <ac:spMkLst>
-            <pc:docMk/>
-            <pc:sldMk cId="3748840513" sldId="326"/>
-            <ac:spMk id="7" creationId="{4B727B46-A324-164A-9C9C-7012797F4961}"/>
-          </ac:spMkLst>
-        </pc:spChg>
-        <pc:spChg chg="mod">
-          <ac:chgData name="Long B Nguyen" userId="f59fb8f3-a021-417a-8bc1-65c8d471c621" providerId="ADAL" clId="{DBF8C059-04A6-1547-9DE4-356B5DFE87B9}" dt="2019-10-24T18:54:43.918" v="5864" actId="255"/>
-          <ac:spMkLst>
-            <pc:docMk/>
-            <pc:sldMk cId="3748840513" sldId="326"/>
-            <ac:spMk id="9" creationId="{E3B2E017-30B2-884B-A113-B419A2ED51AD}"/>
-          </ac:spMkLst>
-        </pc:spChg>
-      </pc:sldChg>
-      <pc:sldChg chg="addSp delSp modSp add del modAnim">
-        <pc:chgData name="Long B Nguyen" userId="f59fb8f3-a021-417a-8bc1-65c8d471c621" providerId="ADAL" clId="{DBF8C059-04A6-1547-9DE4-356B5DFE87B9}" dt="2019-11-05T15:13:36.071" v="9428" actId="2696"/>
-        <pc:sldMkLst>
-          <pc:docMk/>
-          <pc:sldMk cId="3014369594" sldId="327"/>
-        </pc:sldMkLst>
-        <pc:spChg chg="del mod">
-          <ac:chgData name="Long B Nguyen" userId="f59fb8f3-a021-417a-8bc1-65c8d471c621" providerId="ADAL" clId="{DBF8C059-04A6-1547-9DE4-356B5DFE87B9}" dt="2019-10-24T19:02:31.876" v="6078" actId="478"/>
-          <ac:spMkLst>
-            <pc:docMk/>
-            <pc:sldMk cId="3014369594" sldId="327"/>
-            <ac:spMk id="4" creationId="{D08B1E0D-D64D-1444-90B6-1640231ABE68}"/>
-          </ac:spMkLst>
-        </pc:spChg>
-        <pc:spChg chg="mod">
-          <ac:chgData name="Long B Nguyen" userId="f59fb8f3-a021-417a-8bc1-65c8d471c621" providerId="ADAL" clId="{DBF8C059-04A6-1547-9DE4-356B5DFE87B9}" dt="2019-10-24T18:56:44.574" v="5955" actId="1076"/>
-          <ac:spMkLst>
-            <pc:docMk/>
-            <pc:sldMk cId="3014369594" sldId="327"/>
-            <ac:spMk id="5" creationId="{F21AFD8D-397E-3342-9FCC-026A00C2F153}"/>
-          </ac:spMkLst>
-        </pc:spChg>
-        <pc:spChg chg="add mod">
-          <ac:chgData name="Long B Nguyen" userId="f59fb8f3-a021-417a-8bc1-65c8d471c621" providerId="ADAL" clId="{DBF8C059-04A6-1547-9DE4-356B5DFE87B9}" dt="2019-10-24T19:03:13.399" v="6224" actId="20577"/>
-          <ac:spMkLst>
-            <pc:docMk/>
-            <pc:sldMk cId="3014369594" sldId="327"/>
-            <ac:spMk id="6" creationId="{5AD463B8-D3D6-764A-A598-6854873FB2F6}"/>
-          </ac:spMkLst>
-        </pc:spChg>
-        <pc:spChg chg="add del">
-          <ac:chgData name="Long B Nguyen" userId="f59fb8f3-a021-417a-8bc1-65c8d471c621" providerId="ADAL" clId="{DBF8C059-04A6-1547-9DE4-356B5DFE87B9}" dt="2019-10-25T11:33:04.667" v="7251"/>
-          <ac:spMkLst>
-            <pc:docMk/>
-            <pc:sldMk cId="3014369594" sldId="327"/>
-            <ac:spMk id="8" creationId="{14206452-AEB0-8B40-9F6A-8ACFC1EE06BE}"/>
-          </ac:spMkLst>
-        </pc:spChg>
-        <pc:spChg chg="mod">
-          <ac:chgData name="Long B Nguyen" userId="f59fb8f3-a021-417a-8bc1-65c8d471c621" providerId="ADAL" clId="{DBF8C059-04A6-1547-9DE4-356B5DFE87B9}" dt="2019-10-24T19:02:09.483" v="6075" actId="20577"/>
-          <ac:spMkLst>
-            <pc:docMk/>
-            <pc:sldMk cId="3014369594" sldId="327"/>
-            <ac:spMk id="9" creationId="{E3B2E017-30B2-884B-A113-B419A2ED51AD}"/>
-          </ac:spMkLst>
-        </pc:spChg>
-        <pc:cxnChg chg="add mod">
-          <ac:chgData name="Long B Nguyen" userId="f59fb8f3-a021-417a-8bc1-65c8d471c621" providerId="ADAL" clId="{DBF8C059-04A6-1547-9DE4-356B5DFE87B9}" dt="2019-10-24T19:03:01.282" v="6155" actId="20577"/>
-          <ac:cxnSpMkLst>
-            <pc:docMk/>
-            <pc:sldMk cId="3014369594" sldId="327"/>
-            <ac:cxnSpMk id="7" creationId="{DF98BA1B-1C09-EF41-98CB-A65F848B77CD}"/>
-          </ac:cxnSpMkLst>
-        </pc:cxnChg>
-      </pc:sldChg>
-      <pc:sldChg chg="add del modAnim">
-        <pc:chgData name="Long B Nguyen" userId="f59fb8f3-a021-417a-8bc1-65c8d471c621" providerId="ADAL" clId="{DBF8C059-04A6-1547-9DE4-356B5DFE87B9}" dt="2019-11-05T15:13:35.968" v="9425" actId="2696"/>
-        <pc:sldMkLst>
-          <pc:docMk/>
-          <pc:sldMk cId="1960883355" sldId="328"/>
-        </pc:sldMkLst>
-      </pc:sldChg>
-      <pc:sldChg chg="modSp add del modAnim">
-        <pc:chgData name="Long B Nguyen" userId="f59fb8f3-a021-417a-8bc1-65c8d471c621" providerId="ADAL" clId="{DBF8C059-04A6-1547-9DE4-356B5DFE87B9}" dt="2019-11-05T15:13:35.938" v="9424" actId="2696"/>
-        <pc:sldMkLst>
-          <pc:docMk/>
-          <pc:sldMk cId="53368268" sldId="329"/>
-        </pc:sldMkLst>
-        <pc:spChg chg="mod">
-          <ac:chgData name="Long B Nguyen" userId="f59fb8f3-a021-417a-8bc1-65c8d471c621" providerId="ADAL" clId="{DBF8C059-04A6-1547-9DE4-356B5DFE87B9}" dt="2019-11-02T03:36:45.051" v="8082" actId="20577"/>
-          <ac:spMkLst>
-            <pc:docMk/>
-            <pc:sldMk cId="53368268" sldId="329"/>
-            <ac:spMk id="9" creationId="{E3B2E017-30B2-884B-A113-B419A2ED51AD}"/>
-          </ac:spMkLst>
-        </pc:spChg>
-      </pc:sldChg>
-      <pc:sldChg chg="addSp delSp modSp add del modAnim">
-        <pc:chgData name="Long B Nguyen" userId="f59fb8f3-a021-417a-8bc1-65c8d471c621" providerId="ADAL" clId="{DBF8C059-04A6-1547-9DE4-356B5DFE87B9}" dt="2019-11-05T15:13:58.422" v="9430" actId="2696"/>
-        <pc:sldMkLst>
-          <pc:docMk/>
-          <pc:sldMk cId="894578124" sldId="330"/>
-        </pc:sldMkLst>
-        <pc:spChg chg="mod">
-          <ac:chgData name="Long B Nguyen" userId="f59fb8f3-a021-417a-8bc1-65c8d471c621" providerId="ADAL" clId="{DBF8C059-04A6-1547-9DE4-356B5DFE87B9}" dt="2019-10-25T11:29:44.856" v="7095" actId="20577"/>
-          <ac:spMkLst>
-            <pc:docMk/>
-            <pc:sldMk cId="894578124" sldId="330"/>
-            <ac:spMk id="2" creationId="{AA3A228F-61D0-D949-A5E7-F83756230BF8}"/>
-          </ac:spMkLst>
-        </pc:spChg>
-        <pc:spChg chg="del">
-          <ac:chgData name="Long B Nguyen" userId="f59fb8f3-a021-417a-8bc1-65c8d471c621" providerId="ADAL" clId="{DBF8C059-04A6-1547-9DE4-356B5DFE87B9}" dt="2019-10-25T11:29:55.439" v="7097" actId="478"/>
-          <ac:spMkLst>
-            <pc:docMk/>
-            <pc:sldMk cId="894578124" sldId="330"/>
-            <ac:spMk id="5" creationId="{F21AFD8D-397E-3342-9FCC-026A00C2F153}"/>
-          </ac:spMkLst>
-        </pc:spChg>
-        <pc:spChg chg="del">
-          <ac:chgData name="Long B Nguyen" userId="f59fb8f3-a021-417a-8bc1-65c8d471c621" providerId="ADAL" clId="{DBF8C059-04A6-1547-9DE4-356B5DFE87B9}" dt="2019-10-25T11:32:56.282" v="7250" actId="478"/>
-          <ac:spMkLst>
-            <pc:docMk/>
-            <pc:sldMk cId="894578124" sldId="330"/>
-            <ac:spMk id="6" creationId="{5AD463B8-D3D6-764A-A598-6854873FB2F6}"/>
-          </ac:spMkLst>
-        </pc:spChg>
-        <pc:spChg chg="del">
-          <ac:chgData name="Long B Nguyen" userId="f59fb8f3-a021-417a-8bc1-65c8d471c621" providerId="ADAL" clId="{DBF8C059-04A6-1547-9DE4-356B5DFE87B9}" dt="2019-10-25T11:29:52.831" v="7096" actId="478"/>
-          <ac:spMkLst>
-            <pc:docMk/>
-            <pc:sldMk cId="894578124" sldId="330"/>
-            <ac:spMk id="8" creationId="{14206452-AEB0-8B40-9F6A-8ACFC1EE06BE}"/>
-          </ac:spMkLst>
-        </pc:spChg>
-        <pc:spChg chg="mod">
-          <ac:chgData name="Long B Nguyen" userId="f59fb8f3-a021-417a-8bc1-65c8d471c621" providerId="ADAL" clId="{DBF8C059-04A6-1547-9DE4-356B5DFE87B9}" dt="2019-11-05T15:13:53.036" v="9429" actId="20577"/>
-          <ac:spMkLst>
-            <pc:docMk/>
-            <pc:sldMk cId="894578124" sldId="330"/>
-            <ac:spMk id="9" creationId="{E3B2E017-30B2-884B-A113-B419A2ED51AD}"/>
-          </ac:spMkLst>
-        </pc:spChg>
-        <pc:spChg chg="add mod">
-          <ac:chgData name="Long B Nguyen" userId="f59fb8f3-a021-417a-8bc1-65c8d471c621" providerId="ADAL" clId="{DBF8C059-04A6-1547-9DE4-356B5DFE87B9}" dt="2019-10-25T11:33:09.610" v="7253" actId="1076"/>
-          <ac:spMkLst>
-            <pc:docMk/>
-            <pc:sldMk cId="894578124" sldId="330"/>
-            <ac:spMk id="10" creationId="{9947108E-12E8-044F-805D-DC505E96834C}"/>
-          </ac:spMkLst>
-        </pc:spChg>
-        <pc:cxnChg chg="del mod">
-          <ac:chgData name="Long B Nguyen" userId="f59fb8f3-a021-417a-8bc1-65c8d471c621" providerId="ADAL" clId="{DBF8C059-04A6-1547-9DE4-356B5DFE87B9}" dt="2019-11-01T13:04:20.801" v="7971" actId="478"/>
-          <ac:cxnSpMkLst>
-            <pc:docMk/>
-            <pc:sldMk cId="894578124" sldId="330"/>
-            <ac:cxnSpMk id="7" creationId="{DF98BA1B-1C09-EF41-98CB-A65F848B77CD}"/>
-          </ac:cxnSpMkLst>
-        </pc:cxnChg>
-      </pc:sldChg>
-      <pc:sldChg chg="modSp add del modAnim">
-        <pc:chgData name="Long B Nguyen" userId="f59fb8f3-a021-417a-8bc1-65c8d471c621" providerId="ADAL" clId="{DBF8C059-04A6-1547-9DE4-356B5DFE87B9}" dt="2019-11-05T15:13:35.594" v="9407" actId="2696"/>
-        <pc:sldMkLst>
-          <pc:docMk/>
-          <pc:sldMk cId="343975969" sldId="331"/>
-        </pc:sldMkLst>
-        <pc:spChg chg="mod">
-          <ac:chgData name="Long B Nguyen" userId="f59fb8f3-a021-417a-8bc1-65c8d471c621" providerId="ADAL" clId="{DBF8C059-04A6-1547-9DE4-356B5DFE87B9}" dt="2019-11-01T12:53:24.461" v="7793" actId="20577"/>
-          <ac:spMkLst>
-            <pc:docMk/>
-            <pc:sldMk cId="343975969" sldId="331"/>
             <ac:spMk id="9" creationId="{E3B2E017-30B2-884B-A113-B419A2ED51AD}"/>
           </ac:spMkLst>
         </pc:spChg>
@@ -1087,29 +220,6 @@
           <ac:graphicFrameMkLst>
             <pc:docMk/>
             <pc:sldMk cId="3900499327" sldId="333"/>
-            <ac:graphicFrameMk id="3" creationId="{5AB6A783-134F-544F-B2B3-79D9BD76E229}"/>
-          </ac:graphicFrameMkLst>
-        </pc:graphicFrameChg>
-      </pc:sldChg>
-      <pc:sldChg chg="addSp modSp add del">
-        <pc:chgData name="Long B Nguyen" userId="f59fb8f3-a021-417a-8bc1-65c8d471c621" providerId="ADAL" clId="{DBF8C059-04A6-1547-9DE4-356B5DFE87B9}" dt="2019-11-05T15:29:02.447" v="10027" actId="2696"/>
-        <pc:sldMkLst>
-          <pc:docMk/>
-          <pc:sldMk cId="3147952573" sldId="334"/>
-        </pc:sldMkLst>
-        <pc:spChg chg="add mod">
-          <ac:chgData name="Long B Nguyen" userId="f59fb8f3-a021-417a-8bc1-65c8d471c621" providerId="ADAL" clId="{DBF8C059-04A6-1547-9DE4-356B5DFE87B9}" dt="2019-11-05T15:13:27.739" v="9405" actId="20577"/>
-          <ac:spMkLst>
-            <pc:docMk/>
-            <pc:sldMk cId="3147952573" sldId="334"/>
-            <ac:spMk id="4" creationId="{45F39D34-783B-3841-8223-DB0C309CADD9}"/>
-          </ac:spMkLst>
-        </pc:spChg>
-        <pc:graphicFrameChg chg="mod modGraphic">
-          <ac:chgData name="Long B Nguyen" userId="f59fb8f3-a021-417a-8bc1-65c8d471c621" providerId="ADAL" clId="{DBF8C059-04A6-1547-9DE4-356B5DFE87B9}" dt="2019-11-05T15:29:01.090" v="10026" actId="20577"/>
-          <ac:graphicFrameMkLst>
-            <pc:docMk/>
-            <pc:sldMk cId="3147952573" sldId="334"/>
             <ac:graphicFrameMk id="3" creationId="{5AB6A783-134F-544F-B2B3-79D9BD76E229}"/>
           </ac:graphicFrameMkLst>
         </pc:graphicFrameChg>
@@ -1211,22 +321,105 @@
   </pc:docChgLst>
   <pc:docChgLst>
     <pc:chgData name="Long B Nguyen" userId="f59fb8f3-a021-417a-8bc1-65c8d471c621" providerId="ADAL" clId="{23AB6C8C-0C48-8749-A15D-EB048A23D91B}"/>
-    <pc:docChg chg="modSld">
-      <pc:chgData name="Long B Nguyen" userId="f59fb8f3-a021-417a-8bc1-65c8d471c621" providerId="ADAL" clId="{23AB6C8C-0C48-8749-A15D-EB048A23D91B}" dt="2019-11-05T17:39:31.857" v="89" actId="20577"/>
+    <pc:docChg chg="addSld modSld">
+      <pc:chgData name="Long B Nguyen" userId="f59fb8f3-a021-417a-8bc1-65c8d471c621" providerId="ADAL" clId="{23AB6C8C-0C48-8749-A15D-EB048A23D91B}" dt="2019-11-07T13:53:37.778" v="2195" actId="20577"/>
       <pc:docMkLst>
         <pc:docMk/>
       </pc:docMkLst>
+      <pc:sldChg chg="modAnim">
+        <pc:chgData name="Long B Nguyen" userId="f59fb8f3-a021-417a-8bc1-65c8d471c621" providerId="ADAL" clId="{23AB6C8C-0C48-8749-A15D-EB048A23D91B}" dt="2019-11-07T13:26:19.110" v="1783"/>
+        <pc:sldMkLst>
+          <pc:docMk/>
+          <pc:sldMk cId="3670596711" sldId="304"/>
+        </pc:sldMkLst>
+      </pc:sldChg>
       <pc:sldChg chg="modSp modAnim">
-        <pc:chgData name="Long B Nguyen" userId="f59fb8f3-a021-417a-8bc1-65c8d471c621" providerId="ADAL" clId="{23AB6C8C-0C48-8749-A15D-EB048A23D91B}" dt="2019-11-05T17:39:31.857" v="89" actId="20577"/>
+        <pc:chgData name="Long B Nguyen" userId="f59fb8f3-a021-417a-8bc1-65c8d471c621" providerId="ADAL" clId="{23AB6C8C-0C48-8749-A15D-EB048A23D91B}" dt="2019-11-07T13:04:41.950" v="1613"/>
         <pc:sldMkLst>
           <pc:docMk/>
           <pc:sldMk cId="2054350624" sldId="336"/>
         </pc:sldMkLst>
         <pc:spChg chg="mod">
-          <ac:chgData name="Long B Nguyen" userId="f59fb8f3-a021-417a-8bc1-65c8d471c621" providerId="ADAL" clId="{23AB6C8C-0C48-8749-A15D-EB048A23D91B}" dt="2019-11-05T17:39:31.857" v="89" actId="20577"/>
+          <ac:chgData name="Long B Nguyen" userId="f59fb8f3-a021-417a-8bc1-65c8d471c621" providerId="ADAL" clId="{23AB6C8C-0C48-8749-A15D-EB048A23D91B}" dt="2019-11-07T12:47:23.321" v="159" actId="20577"/>
           <ac:spMkLst>
             <pc:docMk/>
             <pc:sldMk cId="2054350624" sldId="336"/>
+            <ac:spMk id="2" creationId="{AA3A228F-61D0-D949-A5E7-F83756230BF8}"/>
+          </ac:spMkLst>
+        </pc:spChg>
+        <pc:spChg chg="mod">
+          <ac:chgData name="Long B Nguyen" userId="f59fb8f3-a021-417a-8bc1-65c8d471c621" providerId="ADAL" clId="{23AB6C8C-0C48-8749-A15D-EB048A23D91B}" dt="2019-11-07T13:04:13.439" v="1609" actId="20577"/>
+          <ac:spMkLst>
+            <pc:docMk/>
+            <pc:sldMk cId="2054350624" sldId="336"/>
+            <ac:spMk id="9" creationId="{E3B2E017-30B2-884B-A113-B419A2ED51AD}"/>
+          </ac:spMkLst>
+        </pc:spChg>
+      </pc:sldChg>
+      <pc:sldChg chg="modSp add modAnim">
+        <pc:chgData name="Long B Nguyen" userId="f59fb8f3-a021-417a-8bc1-65c8d471c621" providerId="ADAL" clId="{23AB6C8C-0C48-8749-A15D-EB048A23D91B}" dt="2019-11-07T13:27:12.219" v="1784" actId="20577"/>
+        <pc:sldMkLst>
+          <pc:docMk/>
+          <pc:sldMk cId="1025447025" sldId="339"/>
+        </pc:sldMkLst>
+        <pc:spChg chg="mod">
+          <ac:chgData name="Long B Nguyen" userId="f59fb8f3-a021-417a-8bc1-65c8d471c621" providerId="ADAL" clId="{23AB6C8C-0C48-8749-A15D-EB048A23D91B}" dt="2019-11-07T13:27:12.219" v="1784" actId="20577"/>
+          <ac:spMkLst>
+            <pc:docMk/>
+            <pc:sldMk cId="1025447025" sldId="339"/>
+            <ac:spMk id="9" creationId="{E3B2E017-30B2-884B-A113-B419A2ED51AD}"/>
+          </ac:spMkLst>
+        </pc:spChg>
+      </pc:sldChg>
+      <pc:sldChg chg="modSp add modAnim">
+        <pc:chgData name="Long B Nguyen" userId="f59fb8f3-a021-417a-8bc1-65c8d471c621" providerId="ADAL" clId="{23AB6C8C-0C48-8749-A15D-EB048A23D91B}" dt="2019-11-07T13:53:20.866" v="2188" actId="20577"/>
+        <pc:sldMkLst>
+          <pc:docMk/>
+          <pc:sldMk cId="4139025775" sldId="340"/>
+        </pc:sldMkLst>
+        <pc:spChg chg="mod">
+          <ac:chgData name="Long B Nguyen" userId="f59fb8f3-a021-417a-8bc1-65c8d471c621" providerId="ADAL" clId="{23AB6C8C-0C48-8749-A15D-EB048A23D91B}" dt="2019-11-07T13:53:20.866" v="2188" actId="20577"/>
+          <ac:spMkLst>
+            <pc:docMk/>
+            <pc:sldMk cId="4139025775" sldId="340"/>
+            <ac:spMk id="9" creationId="{E3B2E017-30B2-884B-A113-B419A2ED51AD}"/>
+          </ac:spMkLst>
+        </pc:spChg>
+      </pc:sldChg>
+      <pc:sldChg chg="modSp add modAnim">
+        <pc:chgData name="Long B Nguyen" userId="f59fb8f3-a021-417a-8bc1-65c8d471c621" providerId="ADAL" clId="{23AB6C8C-0C48-8749-A15D-EB048A23D91B}" dt="2019-11-07T13:24:33.472" v="1776"/>
+        <pc:sldMkLst>
+          <pc:docMk/>
+          <pc:sldMk cId="3096563398" sldId="341"/>
+        </pc:sldMkLst>
+        <pc:spChg chg="mod">
+          <ac:chgData name="Long B Nguyen" userId="f59fb8f3-a021-417a-8bc1-65c8d471c621" providerId="ADAL" clId="{23AB6C8C-0C48-8749-A15D-EB048A23D91B}" dt="2019-11-07T13:23:05.118" v="1635" actId="20577"/>
+          <ac:spMkLst>
+            <pc:docMk/>
+            <pc:sldMk cId="3096563398" sldId="341"/>
+            <ac:spMk id="2" creationId="{AA3A228F-61D0-D949-A5E7-F83756230BF8}"/>
+          </ac:spMkLst>
+        </pc:spChg>
+        <pc:spChg chg="mod">
+          <ac:chgData name="Long B Nguyen" userId="f59fb8f3-a021-417a-8bc1-65c8d471c621" providerId="ADAL" clId="{23AB6C8C-0C48-8749-A15D-EB048A23D91B}" dt="2019-11-07T13:24:20.350" v="1772" actId="20577"/>
+          <ac:spMkLst>
+            <pc:docMk/>
+            <pc:sldMk cId="3096563398" sldId="341"/>
+            <ac:spMk id="9" creationId="{E3B2E017-30B2-884B-A113-B419A2ED51AD}"/>
+          </ac:spMkLst>
+        </pc:spChg>
+      </pc:sldChg>
+      <pc:sldChg chg="modSp add">
+        <pc:chgData name="Long B Nguyen" userId="f59fb8f3-a021-417a-8bc1-65c8d471c621" providerId="ADAL" clId="{23AB6C8C-0C48-8749-A15D-EB048A23D91B}" dt="2019-11-07T13:53:37.778" v="2195" actId="20577"/>
+        <pc:sldMkLst>
+          <pc:docMk/>
+          <pc:sldMk cId="1811047284" sldId="342"/>
+        </pc:sldMkLst>
+        <pc:spChg chg="mod">
+          <ac:chgData name="Long B Nguyen" userId="f59fb8f3-a021-417a-8bc1-65c8d471c621" providerId="ADAL" clId="{23AB6C8C-0C48-8749-A15D-EB048A23D91B}" dt="2019-11-07T13:53:37.778" v="2195" actId="20577"/>
+          <ac:spMkLst>
+            <pc:docMk/>
+            <pc:sldMk cId="1811047284" sldId="342"/>
             <ac:spMk id="9" creationId="{E3B2E017-30B2-884B-A113-B419A2ED51AD}"/>
           </ac:spMkLst>
         </pc:spChg>
@@ -1367,7 +560,7 @@
           <a:p>
             <a:fld id="{4AAD347D-5ACD-4C99-B74B-A9C85AD731AF}" type="datetimeFigureOut">
               <a:rPr lang="en-US" smtClean="0"/>
-              <a:t>11/5/19</a:t>
+              <a:t>11/7/19</a:t>
             </a:fld>
             <a:endParaRPr lang="en-US" dirty="0"/>
           </a:p>
@@ -1537,7 +730,7 @@
           <a:p>
             <a:fld id="{4509A250-FF31-4206-8172-F9D3106AACB1}" type="datetimeFigureOut">
               <a:rPr lang="en-US" smtClean="0"/>
-              <a:t>11/5/19</a:t>
+              <a:t>11/7/19</a:t>
             </a:fld>
             <a:endParaRPr lang="en-US" dirty="0"/>
           </a:p>
@@ -1717,7 +910,7 @@
           <a:p>
             <a:fld id="{4509A250-FF31-4206-8172-F9D3106AACB1}" type="datetimeFigureOut">
               <a:rPr lang="en-US" smtClean="0"/>
-              <a:t>11/5/19</a:t>
+              <a:t>11/7/19</a:t>
             </a:fld>
             <a:endParaRPr lang="en-US" dirty="0"/>
           </a:p>
@@ -1887,7 +1080,7 @@
           <a:p>
             <a:fld id="{4509A250-FF31-4206-8172-F9D3106AACB1}" type="datetimeFigureOut">
               <a:rPr lang="en-US" smtClean="0"/>
-              <a:t>11/5/19</a:t>
+              <a:t>11/7/19</a:t>
             </a:fld>
             <a:endParaRPr lang="en-US" dirty="0"/>
           </a:p>
@@ -2133,7 +1326,7 @@
           <a:p>
             <a:fld id="{9796027F-7875-4030-9381-8BD8C4F21935}" type="datetimeFigureOut">
               <a:rPr lang="en-US" smtClean="0"/>
-              <a:t>11/5/19</a:t>
+              <a:t>11/7/19</a:t>
             </a:fld>
             <a:endParaRPr lang="en-US" dirty="0"/>
           </a:p>
@@ -2365,7 +1558,7 @@
           <a:p>
             <a:fld id="{9796027F-7875-4030-9381-8BD8C4F21935}" type="datetimeFigureOut">
               <a:rPr lang="en-US" smtClean="0"/>
-              <a:t>11/5/19</a:t>
+              <a:t>11/7/19</a:t>
             </a:fld>
             <a:endParaRPr lang="en-US" dirty="0"/>
           </a:p>
@@ -2732,7 +1925,7 @@
           <a:p>
             <a:fld id="{9796027F-7875-4030-9381-8BD8C4F21935}" type="datetimeFigureOut">
               <a:rPr lang="en-US" smtClean="0"/>
-              <a:t>11/5/19</a:t>
+              <a:t>11/7/19</a:t>
             </a:fld>
             <a:endParaRPr lang="en-US" dirty="0"/>
           </a:p>
@@ -2850,7 +2043,7 @@
           <a:p>
             <a:fld id="{4509A250-FF31-4206-8172-F9D3106AACB1}" type="datetimeFigureOut">
               <a:rPr lang="en-US" smtClean="0"/>
-              <a:t>11/5/19</a:t>
+              <a:t>11/7/19</a:t>
             </a:fld>
             <a:endParaRPr lang="en-US" dirty="0"/>
           </a:p>
@@ -2945,7 +2138,7 @@
           <a:p>
             <a:fld id="{4509A250-FF31-4206-8172-F9D3106AACB1}" type="datetimeFigureOut">
               <a:rPr lang="en-US" smtClean="0"/>
-              <a:t>11/5/19</a:t>
+              <a:t>11/7/19</a:t>
             </a:fld>
             <a:endParaRPr lang="en-US" dirty="0"/>
           </a:p>
@@ -3222,7 +2415,7 @@
           <a:p>
             <a:fld id="{4509A250-FF31-4206-8172-F9D3106AACB1}" type="datetimeFigureOut">
               <a:rPr lang="en-US" smtClean="0"/>
-              <a:t>11/5/19</a:t>
+              <a:t>11/7/19</a:t>
             </a:fld>
             <a:endParaRPr lang="en-US" dirty="0"/>
           </a:p>
@@ -3479,7 +2672,7 @@
           <a:p>
             <a:fld id="{4509A250-FF31-4206-8172-F9D3106AACB1}" type="datetimeFigureOut">
               <a:rPr lang="en-US" smtClean="0"/>
-              <a:t>11/5/19</a:t>
+              <a:t>11/7/19</a:t>
             </a:fld>
             <a:endParaRPr lang="en-US" dirty="0"/>
           </a:p>
@@ -3692,7 +2885,7 @@
           <a:p>
             <a:fld id="{4AAD347D-5ACD-4C99-B74B-A9C85AD731AF}" type="datetimeFigureOut">
               <a:rPr lang="en-US" smtClean="0"/>
-              <a:t>11/5/19</a:t>
+              <a:t>11/7/19</a:t>
             </a:fld>
             <a:endParaRPr lang="en-US" dirty="0"/>
           </a:p>
@@ -4389,6 +3582,612 @@
 </p:sld>
 </file>
 
+<file path=ppt/slides/slide10.xml><?xml version="1.0" encoding="utf-8"?>
+<p:sld xmlns:a="http://schemas.openxmlformats.org/drawingml/2006/main" xmlns:r="http://schemas.openxmlformats.org/officeDocument/2006/relationships" xmlns:p="http://schemas.openxmlformats.org/presentationml/2006/main">
+  <p:cSld>
+    <p:spTree>
+      <p:nvGrpSpPr>
+        <p:cNvPr id="1" name=""/>
+        <p:cNvGrpSpPr/>
+        <p:nvPr/>
+      </p:nvGrpSpPr>
+      <p:grpSpPr>
+        <a:xfrm>
+          <a:off x="0" y="0"/>
+          <a:ext cx="0" cy="0"/>
+          <a:chOff x="0" y="0"/>
+          <a:chExt cx="0" cy="0"/>
+        </a:xfrm>
+      </p:grpSpPr>
+      <p:sp>
+        <p:nvSpPr>
+          <p:cNvPr id="2" name="Title 1">
+            <a:extLst>
+              <a:ext uri="{FF2B5EF4-FFF2-40B4-BE49-F238E27FC236}">
+                <a16:creationId xmlns:a16="http://schemas.microsoft.com/office/drawing/2014/main" id="{AA3A228F-61D0-D949-A5E7-F83756230BF8}"/>
+              </a:ext>
+            </a:extLst>
+          </p:cNvPr>
+          <p:cNvSpPr>
+            <a:spLocks noGrp="1"/>
+          </p:cNvSpPr>
+          <p:nvPr>
+            <p:ph type="title"/>
+          </p:nvPr>
+        </p:nvSpPr>
+        <p:spPr>
+          <a:xfrm>
+            <a:off x="483848" y="467027"/>
+            <a:ext cx="7053542" cy="683886"/>
+          </a:xfrm>
+        </p:spPr>
+        <p:txBody>
+          <a:bodyPr/>
+          <a:lstStyle/>
+          <a:p>
+            <a:r>
+              <a:rPr lang="en-US" dirty="0" err="1"/>
+              <a:t>is_credit</a:t>
+            </a:r>
+            <a:endParaRPr lang="en-US" dirty="0"/>
+          </a:p>
+        </p:txBody>
+      </p:sp>
+      <p:sp>
+        <p:nvSpPr>
+          <p:cNvPr id="9" name="Content Placeholder 8">
+            <a:extLst>
+              <a:ext uri="{FF2B5EF4-FFF2-40B4-BE49-F238E27FC236}">
+                <a16:creationId xmlns:a16="http://schemas.microsoft.com/office/drawing/2014/main" id="{E3B2E017-30B2-884B-A113-B419A2ED51AD}"/>
+              </a:ext>
+            </a:extLst>
+          </p:cNvPr>
+          <p:cNvSpPr>
+            <a:spLocks noGrp="1"/>
+          </p:cNvSpPr>
+          <p:nvPr>
+            <p:ph idx="1"/>
+          </p:nvPr>
+        </p:nvSpPr>
+        <p:spPr>
+          <a:xfrm>
+            <a:off x="483848" y="1150913"/>
+            <a:ext cx="8051725" cy="4430079"/>
+          </a:xfrm>
+        </p:spPr>
+        <p:txBody>
+          <a:bodyPr>
+            <a:normAutofit/>
+          </a:bodyPr>
+          <a:lstStyle/>
+          <a:p>
+            <a:pPr marL="0" indent="0">
+              <a:buNone/>
+            </a:pPr>
+            <a:endParaRPr lang="en-US" dirty="0"/>
+          </a:p>
+          <a:p>
+            <a:pPr marL="0" indent="0">
+              <a:buNone/>
+            </a:pPr>
+            <a:r>
+              <a:rPr lang="en-US" dirty="0"/>
+              <a:t>To test if </a:t>
+            </a:r>
+            <a:r>
+              <a:rPr lang="en-US" dirty="0" err="1"/>
+              <a:t>is_credit</a:t>
+            </a:r>
+            <a:r>
+              <a:rPr lang="en-US" dirty="0"/>
+              <a:t> is correct, try the following inputs:</a:t>
+            </a:r>
+          </a:p>
+          <a:p>
+            <a:pPr marL="0" indent="0">
+              <a:buNone/>
+            </a:pPr>
+            <a:endParaRPr lang="en-US" dirty="0"/>
+          </a:p>
+          <a:p>
+            <a:pPr marL="0" indent="0">
+              <a:buNone/>
+            </a:pPr>
+            <a:r>
+              <a:rPr lang="en-US" dirty="0" err="1"/>
+              <a:t>is_credit</a:t>
+            </a:r>
+            <a:r>
+              <a:rPr lang="en-US" dirty="0"/>
+              <a:t>("6011000000000004") should return True</a:t>
+            </a:r>
+          </a:p>
+          <a:p>
+            <a:pPr marL="0" indent="0">
+              <a:buNone/>
+            </a:pPr>
+            <a:r>
+              <a:rPr lang="en-US" dirty="0" err="1"/>
+              <a:t>is_credit</a:t>
+            </a:r>
+            <a:r>
+              <a:rPr lang="en-US" dirty="0"/>
+              <a:t>("79927398713") should return True</a:t>
+            </a:r>
+          </a:p>
+          <a:p>
+            <a:pPr marL="0" indent="0">
+              <a:buNone/>
+            </a:pPr>
+            <a:r>
+              <a:rPr lang="en-US" dirty="0" err="1"/>
+              <a:t>is_credit</a:t>
+            </a:r>
+            <a:r>
+              <a:rPr lang="en-US" dirty="0"/>
+              <a:t>("30000000000004") should return True</a:t>
+            </a:r>
+          </a:p>
+        </p:txBody>
+      </p:sp>
+    </p:spTree>
+    <p:extLst>
+      <p:ext uri="{BB962C8B-B14F-4D97-AF65-F5344CB8AC3E}">
+        <p14:creationId xmlns:p14="http://schemas.microsoft.com/office/powerpoint/2010/main" val="3096563398"/>
+      </p:ext>
+    </p:extLst>
+  </p:cSld>
+  <p:clrMapOvr>
+    <a:masterClrMapping/>
+  </p:clrMapOvr>
+</p:sld>
+</file>
+
+<file path=ppt/slides/slide11.xml><?xml version="1.0" encoding="utf-8"?>
+<p:sld xmlns:a="http://schemas.openxmlformats.org/drawingml/2006/main" xmlns:r="http://schemas.openxmlformats.org/officeDocument/2006/relationships" xmlns:p="http://schemas.openxmlformats.org/presentationml/2006/main">
+  <p:cSld>
+    <p:spTree>
+      <p:nvGrpSpPr>
+        <p:cNvPr id="1" name=""/>
+        <p:cNvGrpSpPr/>
+        <p:nvPr/>
+      </p:nvGrpSpPr>
+      <p:grpSpPr>
+        <a:xfrm>
+          <a:off x="0" y="0"/>
+          <a:ext cx="0" cy="0"/>
+          <a:chOff x="0" y="0"/>
+          <a:chExt cx="0" cy="0"/>
+        </a:xfrm>
+      </p:grpSpPr>
+      <p:sp>
+        <p:nvSpPr>
+          <p:cNvPr id="2" name="Title 1">
+            <a:extLst>
+              <a:ext uri="{FF2B5EF4-FFF2-40B4-BE49-F238E27FC236}">
+                <a16:creationId xmlns:a16="http://schemas.microsoft.com/office/drawing/2014/main" id="{AA3A228F-61D0-D949-A5E7-F83756230BF8}"/>
+              </a:ext>
+            </a:extLst>
+          </p:cNvPr>
+          <p:cNvSpPr>
+            <a:spLocks noGrp="1"/>
+          </p:cNvSpPr>
+          <p:nvPr>
+            <p:ph type="title"/>
+          </p:nvPr>
+        </p:nvSpPr>
+        <p:spPr>
+          <a:xfrm>
+            <a:off x="483848" y="467027"/>
+            <a:ext cx="7053542" cy="683886"/>
+          </a:xfrm>
+        </p:spPr>
+        <p:txBody>
+          <a:bodyPr/>
+          <a:lstStyle/>
+          <a:p>
+            <a:r>
+              <a:rPr lang="en-US" dirty="0" err="1"/>
+              <a:t>Luhn's</a:t>
+            </a:r>
+            <a:r>
+              <a:rPr lang="en-US" dirty="0"/>
+              <a:t> Algorithm</a:t>
+            </a:r>
+          </a:p>
+        </p:txBody>
+      </p:sp>
+      <p:sp>
+        <p:nvSpPr>
+          <p:cNvPr id="9" name="Content Placeholder 8">
+            <a:extLst>
+              <a:ext uri="{FF2B5EF4-FFF2-40B4-BE49-F238E27FC236}">
+                <a16:creationId xmlns:a16="http://schemas.microsoft.com/office/drawing/2014/main" id="{E3B2E017-30B2-884B-A113-B419A2ED51AD}"/>
+              </a:ext>
+            </a:extLst>
+          </p:cNvPr>
+          <p:cNvSpPr>
+            <a:spLocks noGrp="1"/>
+          </p:cNvSpPr>
+          <p:nvPr>
+            <p:ph idx="1"/>
+          </p:nvPr>
+        </p:nvSpPr>
+        <p:spPr>
+          <a:xfrm>
+            <a:off x="125260" y="994299"/>
+            <a:ext cx="8906006" cy="4586693"/>
+          </a:xfrm>
+        </p:spPr>
+        <p:txBody>
+          <a:bodyPr>
+            <a:noAutofit/>
+          </a:bodyPr>
+          <a:lstStyle/>
+          <a:p>
+            <a:pPr marL="0" indent="0">
+              <a:buNone/>
+            </a:pPr>
+            <a:endParaRPr lang="en-US" dirty="0"/>
+          </a:p>
+          <a:p>
+            <a:pPr marL="0" indent="0">
+              <a:buNone/>
+            </a:pPr>
+            <a:r>
+              <a:rPr lang="en-US" dirty="0"/>
+              <a:t>The main function should accept two inputs: type of credit card and credit card number separated by a space. The type of credit card number should be case insensitive, for example "</a:t>
+            </a:r>
+            <a:r>
+              <a:rPr lang="en-US" dirty="0" err="1"/>
+              <a:t>visA</a:t>
+            </a:r>
+            <a:r>
+              <a:rPr lang="en-US" dirty="0"/>
+              <a:t>", "Visa", "</a:t>
+            </a:r>
+            <a:r>
+              <a:rPr lang="en-US" dirty="0" err="1"/>
+              <a:t>viSa</a:t>
+            </a:r>
+            <a:r>
+              <a:rPr lang="en-US" dirty="0"/>
+              <a:t>" should all work. </a:t>
+            </a:r>
+          </a:p>
+          <a:p>
+            <a:pPr marL="0" indent="0">
+              <a:buNone/>
+            </a:pPr>
+            <a:endParaRPr lang="en-US" dirty="0"/>
+          </a:p>
+          <a:p>
+            <a:pPr marL="0" indent="0">
+              <a:buNone/>
+            </a:pPr>
+            <a:r>
+              <a:rPr lang="en-US" dirty="0"/>
+              <a:t>Before calling </a:t>
+            </a:r>
+            <a:r>
+              <a:rPr lang="en-US" dirty="0" err="1"/>
+              <a:t>is_credit</a:t>
+            </a:r>
+            <a:r>
+              <a:rPr lang="en-US" dirty="0"/>
+              <a:t>, </a:t>
+            </a:r>
+            <a:r>
+              <a:rPr lang="en-US" dirty="0" err="1"/>
+              <a:t>is_visa</a:t>
+            </a:r>
+            <a:r>
+              <a:rPr lang="en-US" dirty="0"/>
+              <a:t> or </a:t>
+            </a:r>
+            <a:r>
+              <a:rPr lang="en-US" dirty="0" err="1"/>
+              <a:t>is_mastercard</a:t>
+            </a:r>
+            <a:r>
+              <a:rPr lang="en-US" dirty="0"/>
+              <a:t>, the main function should check that the credit number entered is even a string of numbers. Use the string </a:t>
+            </a:r>
+            <a:r>
+              <a:rPr lang="en-US" dirty="0" err="1"/>
+              <a:t>isnumeric</a:t>
+            </a:r>
+            <a:r>
+              <a:rPr lang="en-US" dirty="0"/>
+              <a:t>() method. For example </a:t>
+            </a:r>
+            <a:r>
+              <a:rPr lang="en-US" dirty="0" err="1"/>
+              <a:t>s.isnumeric</a:t>
+            </a:r>
+            <a:r>
+              <a:rPr lang="en-US" dirty="0"/>
+              <a:t>() returns True if all of the character is s are numbers. </a:t>
+            </a:r>
+          </a:p>
+          <a:p>
+            <a:pPr marL="0" indent="0">
+              <a:buNone/>
+            </a:pPr>
+            <a:endParaRPr lang="en-US" dirty="0"/>
+          </a:p>
+          <a:p>
+            <a:pPr marL="0" indent="0">
+              <a:buNone/>
+            </a:pPr>
+            <a:r>
+              <a:rPr lang="en-US" dirty="0"/>
+              <a:t>See the next slide for some sample runs that you can use to check your program</a:t>
+            </a:r>
+          </a:p>
+          <a:p>
+            <a:pPr marL="0" indent="0">
+              <a:buNone/>
+            </a:pPr>
+            <a:endParaRPr lang="en-US" dirty="0"/>
+          </a:p>
+          <a:p>
+            <a:pPr marL="0" indent="0">
+              <a:buNone/>
+            </a:pPr>
+            <a:endParaRPr lang="en-US" dirty="0"/>
+          </a:p>
+        </p:txBody>
+      </p:sp>
+    </p:spTree>
+    <p:extLst>
+      <p:ext uri="{BB962C8B-B14F-4D97-AF65-F5344CB8AC3E}">
+        <p14:creationId xmlns:p14="http://schemas.microsoft.com/office/powerpoint/2010/main" val="4139025775"/>
+      </p:ext>
+    </p:extLst>
+  </p:cSld>
+  <p:clrMapOvr>
+    <a:masterClrMapping/>
+  </p:clrMapOvr>
+</p:sld>
+</file>
+
+<file path=ppt/slides/slide12.xml><?xml version="1.0" encoding="utf-8"?>
+<p:sld xmlns:a="http://schemas.openxmlformats.org/drawingml/2006/main" xmlns:r="http://schemas.openxmlformats.org/officeDocument/2006/relationships" xmlns:p="http://schemas.openxmlformats.org/presentationml/2006/main">
+  <p:cSld>
+    <p:spTree>
+      <p:nvGrpSpPr>
+        <p:cNvPr id="1" name=""/>
+        <p:cNvGrpSpPr/>
+        <p:nvPr/>
+      </p:nvGrpSpPr>
+      <p:grpSpPr>
+        <a:xfrm>
+          <a:off x="0" y="0"/>
+          <a:ext cx="0" cy="0"/>
+          <a:chOff x="0" y="0"/>
+          <a:chExt cx="0" cy="0"/>
+        </a:xfrm>
+      </p:grpSpPr>
+      <p:sp>
+        <p:nvSpPr>
+          <p:cNvPr id="2" name="Title 1">
+            <a:extLst>
+              <a:ext uri="{FF2B5EF4-FFF2-40B4-BE49-F238E27FC236}">
+                <a16:creationId xmlns:a16="http://schemas.microsoft.com/office/drawing/2014/main" id="{AA3A228F-61D0-D949-A5E7-F83756230BF8}"/>
+              </a:ext>
+            </a:extLst>
+          </p:cNvPr>
+          <p:cNvSpPr>
+            <a:spLocks noGrp="1"/>
+          </p:cNvSpPr>
+          <p:nvPr>
+            <p:ph type="title"/>
+          </p:nvPr>
+        </p:nvSpPr>
+        <p:spPr>
+          <a:xfrm>
+            <a:off x="483848" y="467027"/>
+            <a:ext cx="7053542" cy="683886"/>
+          </a:xfrm>
+        </p:spPr>
+        <p:txBody>
+          <a:bodyPr/>
+          <a:lstStyle/>
+          <a:p>
+            <a:r>
+              <a:rPr lang="en-US" dirty="0" err="1"/>
+              <a:t>Luhn's</a:t>
+            </a:r>
+            <a:r>
+              <a:rPr lang="en-US" dirty="0"/>
+              <a:t> Algorithm</a:t>
+            </a:r>
+          </a:p>
+        </p:txBody>
+      </p:sp>
+      <p:sp>
+        <p:nvSpPr>
+          <p:cNvPr id="9" name="Content Placeholder 8">
+            <a:extLst>
+              <a:ext uri="{FF2B5EF4-FFF2-40B4-BE49-F238E27FC236}">
+                <a16:creationId xmlns:a16="http://schemas.microsoft.com/office/drawing/2014/main" id="{E3B2E017-30B2-884B-A113-B419A2ED51AD}"/>
+              </a:ext>
+            </a:extLst>
+          </p:cNvPr>
+          <p:cNvSpPr>
+            <a:spLocks noGrp="1"/>
+          </p:cNvSpPr>
+          <p:nvPr>
+            <p:ph idx="1"/>
+          </p:nvPr>
+        </p:nvSpPr>
+        <p:spPr>
+          <a:xfrm>
+            <a:off x="125260" y="994299"/>
+            <a:ext cx="8906006" cy="4586693"/>
+          </a:xfrm>
+        </p:spPr>
+        <p:txBody>
+          <a:bodyPr>
+            <a:noAutofit/>
+          </a:bodyPr>
+          <a:lstStyle/>
+          <a:p>
+            <a:pPr marL="0" indent="0">
+              <a:buNone/>
+            </a:pPr>
+            <a:endParaRPr lang="en-US" sz="1800" dirty="0"/>
+          </a:p>
+          <a:p>
+            <a:pPr marL="0" indent="0">
+              <a:buNone/>
+            </a:pPr>
+            <a:r>
+              <a:rPr lang="en-US" sz="1800" dirty="0"/>
+              <a:t>Enter type and credit card number(Visa, MasterCard Only): Visa 4111111111111111</a:t>
+            </a:r>
+          </a:p>
+          <a:p>
+            <a:pPr marL="0" indent="0">
+              <a:buNone/>
+            </a:pPr>
+            <a:r>
+              <a:rPr lang="en-US" sz="1800" dirty="0"/>
+              <a:t>Valid </a:t>
+            </a:r>
+          </a:p>
+          <a:p>
+            <a:pPr marL="0" indent="0">
+              <a:buNone/>
+            </a:pPr>
+            <a:r>
+              <a:rPr lang="en-US" sz="1800" dirty="0"/>
+              <a:t>Enter type and card number(Visa, MasterCard): </a:t>
+            </a:r>
+            <a:r>
+              <a:rPr lang="en-US" sz="1800" dirty="0" err="1"/>
+              <a:t>visA</a:t>
+            </a:r>
+            <a:r>
+              <a:rPr lang="en-US" sz="1800" dirty="0"/>
+              <a:t> 4111111111111111</a:t>
+            </a:r>
+          </a:p>
+          <a:p>
+            <a:pPr marL="0" indent="0">
+              <a:buNone/>
+            </a:pPr>
+            <a:r>
+              <a:rPr lang="en-US" sz="1800" dirty="0"/>
+              <a:t>Valid</a:t>
+            </a:r>
+          </a:p>
+          <a:p>
+            <a:pPr marL="0" indent="0">
+              <a:buNone/>
+            </a:pPr>
+            <a:r>
+              <a:rPr lang="en-US" sz="1800" dirty="0"/>
+              <a:t>Enter type and card number(Visa, MasterCard): </a:t>
+            </a:r>
+            <a:r>
+              <a:rPr lang="en-US" sz="1800" dirty="0" err="1"/>
+              <a:t>mastercard</a:t>
+            </a:r>
+            <a:r>
+              <a:rPr lang="en-US" sz="1800" dirty="0"/>
+              <a:t> 5500000000000004</a:t>
+            </a:r>
+          </a:p>
+          <a:p>
+            <a:pPr marL="0" indent="0">
+              <a:buNone/>
+            </a:pPr>
+            <a:r>
+              <a:rPr lang="en-US" sz="1800" dirty="0"/>
+              <a:t>Valid</a:t>
+            </a:r>
+          </a:p>
+          <a:p>
+            <a:pPr marL="0" indent="0">
+              <a:buNone/>
+            </a:pPr>
+            <a:r>
+              <a:rPr lang="en-US" sz="1800" dirty="0"/>
+              <a:t>Enter type and credit card number(Visa, MasterCard): </a:t>
+            </a:r>
+            <a:r>
+              <a:rPr lang="en-US" sz="1800" dirty="0" err="1"/>
+              <a:t>mastercard</a:t>
+            </a:r>
+            <a:r>
+              <a:rPr lang="en-US" sz="1800" dirty="0"/>
+              <a:t> 123ACBCDEG4</a:t>
+            </a:r>
+          </a:p>
+          <a:p>
+            <a:pPr marL="0" indent="0">
+              <a:buNone/>
+            </a:pPr>
+            <a:r>
+              <a:rPr lang="en-US" sz="1800" dirty="0"/>
+              <a:t>Invalid</a:t>
+            </a:r>
+          </a:p>
+          <a:p>
+            <a:pPr marL="0" indent="0">
+              <a:buNone/>
+            </a:pPr>
+            <a:r>
+              <a:rPr lang="en-US" sz="1800" dirty="0"/>
+              <a:t>Enter type and credit card number(Visa, MasterCard):  </a:t>
+            </a:r>
+            <a:r>
+              <a:rPr lang="en-US" sz="1800" dirty="0" err="1"/>
+              <a:t>AmericanExpress</a:t>
+            </a:r>
+            <a:r>
+              <a:rPr lang="en-US" sz="1800" dirty="0"/>
+              <a:t> 340000000000009</a:t>
+            </a:r>
+          </a:p>
+          <a:p>
+            <a:pPr marL="0" indent="0">
+              <a:buNone/>
+            </a:pPr>
+            <a:r>
+              <a:rPr lang="en-US" sz="1800" dirty="0"/>
+              <a:t>Invalid</a:t>
+            </a:r>
+          </a:p>
+          <a:p>
+            <a:pPr marL="0" indent="0">
+              <a:buNone/>
+            </a:pPr>
+            <a:endParaRPr lang="en-US" sz="1800" dirty="0"/>
+          </a:p>
+          <a:p>
+            <a:pPr marL="0" indent="0">
+              <a:buNone/>
+            </a:pPr>
+            <a:endParaRPr lang="en-US" sz="1800" dirty="0"/>
+          </a:p>
+        </p:txBody>
+      </p:sp>
+    </p:spTree>
+    <p:extLst>
+      <p:ext uri="{BB962C8B-B14F-4D97-AF65-F5344CB8AC3E}">
+        <p14:creationId xmlns:p14="http://schemas.microsoft.com/office/powerpoint/2010/main" val="1811047284"/>
+      </p:ext>
+    </p:extLst>
+  </p:cSld>
+  <p:clrMapOvr>
+    <a:masterClrMapping/>
+  </p:clrMapOvr>
+</p:sld>
+</file>
+
 <file path=ppt/slides/slide2.xml><?xml version="1.0" encoding="utf-8"?>
 <p:sld xmlns:a="http://schemas.openxmlformats.org/drawingml/2006/main" xmlns:r="http://schemas.openxmlformats.org/officeDocument/2006/relationships" xmlns:p="http://schemas.openxmlformats.org/presentationml/2006/main">
   <p:cSld>
@@ -4703,33 +4502,15 @@
                                   </p:childTnLst>
                                 </p:cTn>
                               </p:par>
-                            </p:childTnLst>
-                          </p:cTn>
-                        </p:par>
-                      </p:childTnLst>
-                    </p:cTn>
-                  </p:par>
-                  <p:par>
-                    <p:cTn id="15" fill="hold">
-                      <p:stCondLst>
-                        <p:cond delay="indefinite"/>
-                      </p:stCondLst>
-                      <p:childTnLst>
-                        <p:par>
-                          <p:cTn id="16" fill="hold">
-                            <p:stCondLst>
-                              <p:cond delay="0"/>
-                            </p:stCondLst>
-                            <p:childTnLst>
                               <p:par>
-                                <p:cTn id="17" presetID="1" presetClass="entr" presetSubtype="0" fill="hold" nodeType="clickEffect">
+                                <p:cTn id="15" presetID="1" presetClass="entr" presetSubtype="0" fill="hold" nodeType="withEffect">
                                   <p:stCondLst>
                                     <p:cond delay="0"/>
                                   </p:stCondLst>
                                   <p:childTnLst>
                                     <p:set>
                                       <p:cBhvr>
-                                        <p:cTn id="18" dur="1" fill="hold">
+                                        <p:cTn id="16" dur="1" fill="hold">
                                           <p:stCondLst>
                                             <p:cond delay="0"/>
                                           </p:stCondLst>
@@ -8324,12 +8105,8 @@
           <a:lstStyle/>
           <a:p>
             <a:r>
-              <a:rPr lang="en-US" dirty="0" err="1"/>
-              <a:t>Luhn's</a:t>
-            </a:r>
-            <a:r>
               <a:rPr lang="en-US" dirty="0"/>
-              <a:t> Algorithm</a:t>
+              <a:t>Different Types of Credit Cards</a:t>
             </a:r>
           </a:p>
         </p:txBody>
@@ -8373,15 +8150,15 @@
             </a:pPr>
             <a:r>
               <a:rPr lang="en-US" dirty="0"/>
-              <a:t>Write a program on </a:t>
+              <a:t>In addition to </a:t>
             </a:r>
             <a:r>
               <a:rPr lang="en-US" dirty="0" err="1"/>
-              <a:t>repl.it</a:t>
+              <a:t>Luhn's</a:t>
             </a:r>
             <a:r>
               <a:rPr lang="en-US" dirty="0"/>
-              <a:t> that checks if a given number is a valid credit number. </a:t>
+              <a:t> check, different credit cards have additional constraints. </a:t>
             </a:r>
           </a:p>
           <a:p>
@@ -8396,31 +8173,7 @@
             </a:pPr>
             <a:r>
               <a:rPr lang="en-US" dirty="0"/>
-              <a:t>Your program should implement </a:t>
-            </a:r>
-            <a:r>
-              <a:rPr lang="en-US" dirty="0" err="1"/>
-              <a:t>is_credit</a:t>
-            </a:r>
-            <a:r>
-              <a:rPr lang="en-US" dirty="0"/>
-              <a:t> which accepts a string of digits and returns. </a:t>
-            </a:r>
-            <a:r>
-              <a:rPr lang="en-US" dirty="0" err="1"/>
-              <a:t>is_credit</a:t>
-            </a:r>
-            <a:r>
-              <a:rPr lang="en-US" dirty="0"/>
-              <a:t> should check if the the input has exactly 16 digits. In addition, it checks if every character is a digit. (Hint: Use the string method </a:t>
-            </a:r>
-            <a:r>
-              <a:rPr lang="en-US" dirty="0" err="1"/>
-              <a:t>isnumeric</a:t>
-            </a:r>
-            <a:r>
-              <a:rPr lang="en-US" dirty="0"/>
-              <a:t>()).</a:t>
+              <a:t>A Visa card for example must have either 16 or 13 digits AND must start with the digit 4. </a:t>
             </a:r>
           </a:p>
           <a:p>
@@ -8435,27 +8188,7 @@
             </a:pPr>
             <a:r>
               <a:rPr lang="en-US" dirty="0"/>
-              <a:t>USE ONLY ONE FOR LOOP to traverse through </a:t>
-            </a:r>
-            <a:r>
-              <a:rPr lang="en-US"/>
-              <a:t>the digits. </a:t>
-            </a:r>
-            <a:endParaRPr lang="en-US" dirty="0"/>
-          </a:p>
-          <a:p>
-            <a:pPr marL="0" indent="0">
-              <a:buNone/>
-            </a:pPr>
-            <a:endParaRPr lang="en-US" dirty="0"/>
-          </a:p>
-          <a:p>
-            <a:pPr marL="0" indent="0">
-              <a:buNone/>
-            </a:pPr>
-            <a:r>
-              <a:rPr lang="en-US" dirty="0"/>
-              <a:t>Use the template we discussed in the last lecture by including a main() function. </a:t>
+              <a:t>A MasterCard must have exactly 16 digits AND the first digit must be a 5 AND the second digit must be between 1 and 5 inclusive. </a:t>
             </a:r>
           </a:p>
         </p:txBody>
@@ -8506,7 +8239,7 @@
                                         <p:tgtEl>
                                           <p:spTgt spid="9">
                                             <p:txEl>
-                                              <p:pRg st="1" end="1"/>
+                                              <p:pRg st="3" end="3"/>
                                             </p:txEl>
                                           </p:spTgt>
                                         </p:tgtEl>
@@ -8555,7 +8288,334 @@
                                         <p:tgtEl>
                                           <p:spTgt spid="9">
                                             <p:txEl>
-                                              <p:pRg st="3" end="3"/>
+                                              <p:pRg st="5" end="5"/>
+                                            </p:txEl>
+                                          </p:spTgt>
+                                        </p:tgtEl>
+                                        <p:attrNameLst>
+                                          <p:attrName>style.visibility</p:attrName>
+                                        </p:attrNameLst>
+                                      </p:cBhvr>
+                                      <p:to>
+                                        <p:strVal val="visible"/>
+                                      </p:to>
+                                    </p:set>
+                                  </p:childTnLst>
+                                </p:cTn>
+                              </p:par>
+                            </p:childTnLst>
+                          </p:cTn>
+                        </p:par>
+                      </p:childTnLst>
+                    </p:cTn>
+                  </p:par>
+                </p:childTnLst>
+              </p:cTn>
+              <p:prevCondLst>
+                <p:cond evt="onPrev" delay="0">
+                  <p:tgtEl>
+                    <p:sldTgt/>
+                  </p:tgtEl>
+                </p:cond>
+              </p:prevCondLst>
+              <p:nextCondLst>
+                <p:cond evt="onNext" delay="0">
+                  <p:tgtEl>
+                    <p:sldTgt/>
+                  </p:tgtEl>
+                </p:cond>
+              </p:nextCondLst>
+            </p:seq>
+          </p:childTnLst>
+        </p:cTn>
+      </p:par>
+    </p:tnLst>
+  </p:timing>
+</p:sld>
+</file>
+
+<file path=ppt/slides/slide9.xml><?xml version="1.0" encoding="utf-8"?>
+<p:sld xmlns:a="http://schemas.openxmlformats.org/drawingml/2006/main" xmlns:r="http://schemas.openxmlformats.org/officeDocument/2006/relationships" xmlns:p="http://schemas.openxmlformats.org/presentationml/2006/main">
+  <p:cSld>
+    <p:spTree>
+      <p:nvGrpSpPr>
+        <p:cNvPr id="1" name=""/>
+        <p:cNvGrpSpPr/>
+        <p:nvPr/>
+      </p:nvGrpSpPr>
+      <p:grpSpPr>
+        <a:xfrm>
+          <a:off x="0" y="0"/>
+          <a:ext cx="0" cy="0"/>
+          <a:chOff x="0" y="0"/>
+          <a:chExt cx="0" cy="0"/>
+        </a:xfrm>
+      </p:grpSpPr>
+      <p:sp>
+        <p:nvSpPr>
+          <p:cNvPr id="2" name="Title 1">
+            <a:extLst>
+              <a:ext uri="{FF2B5EF4-FFF2-40B4-BE49-F238E27FC236}">
+                <a16:creationId xmlns:a16="http://schemas.microsoft.com/office/drawing/2014/main" id="{AA3A228F-61D0-D949-A5E7-F83756230BF8}"/>
+              </a:ext>
+            </a:extLst>
+          </p:cNvPr>
+          <p:cNvSpPr>
+            <a:spLocks noGrp="1"/>
+          </p:cNvSpPr>
+          <p:nvPr>
+            <p:ph type="title"/>
+          </p:nvPr>
+        </p:nvSpPr>
+        <p:spPr>
+          <a:xfrm>
+            <a:off x="483848" y="467027"/>
+            <a:ext cx="7053542" cy="683886"/>
+          </a:xfrm>
+        </p:spPr>
+        <p:txBody>
+          <a:bodyPr/>
+          <a:lstStyle/>
+          <a:p>
+            <a:r>
+              <a:rPr lang="en-US" dirty="0" err="1"/>
+              <a:t>Luhn's</a:t>
+            </a:r>
+            <a:r>
+              <a:rPr lang="en-US" dirty="0"/>
+              <a:t> Algorithm</a:t>
+            </a:r>
+          </a:p>
+        </p:txBody>
+      </p:sp>
+      <p:sp>
+        <p:nvSpPr>
+          <p:cNvPr id="9" name="Content Placeholder 8">
+            <a:extLst>
+              <a:ext uri="{FF2B5EF4-FFF2-40B4-BE49-F238E27FC236}">
+                <a16:creationId xmlns:a16="http://schemas.microsoft.com/office/drawing/2014/main" id="{E3B2E017-30B2-884B-A113-B419A2ED51AD}"/>
+              </a:ext>
+            </a:extLst>
+          </p:cNvPr>
+          <p:cNvSpPr>
+            <a:spLocks noGrp="1"/>
+          </p:cNvSpPr>
+          <p:nvPr>
+            <p:ph idx="1"/>
+          </p:nvPr>
+        </p:nvSpPr>
+        <p:spPr>
+          <a:xfrm>
+            <a:off x="483848" y="1150913"/>
+            <a:ext cx="8051725" cy="4430079"/>
+          </a:xfrm>
+        </p:spPr>
+        <p:txBody>
+          <a:bodyPr>
+            <a:normAutofit/>
+          </a:bodyPr>
+          <a:lstStyle/>
+          <a:p>
+            <a:pPr marL="0" indent="0">
+              <a:buNone/>
+            </a:pPr>
+            <a:r>
+              <a:rPr lang="en-US" dirty="0"/>
+              <a:t>Write a program on </a:t>
+            </a:r>
+            <a:r>
+              <a:rPr lang="en-US" dirty="0" err="1"/>
+              <a:t>repl.it</a:t>
+            </a:r>
+            <a:r>
+              <a:rPr lang="en-US" dirty="0"/>
+              <a:t> that checks if a given number is a valid Visa OR MasterCard credit card number.  Your program should implement 4 functions:</a:t>
+            </a:r>
+          </a:p>
+          <a:p>
+            <a:pPr marL="0" indent="0">
+              <a:buNone/>
+            </a:pPr>
+            <a:endParaRPr lang="en-US" dirty="0"/>
+          </a:p>
+          <a:p>
+            <a:pPr marL="0" indent="0">
+              <a:buNone/>
+            </a:pPr>
+            <a:r>
+              <a:rPr lang="en-US" dirty="0"/>
+              <a:t>1) </a:t>
+            </a:r>
+            <a:r>
+              <a:rPr lang="en-US" dirty="0" err="1"/>
+              <a:t>is_credit</a:t>
+            </a:r>
+            <a:r>
+              <a:rPr lang="en-US" dirty="0"/>
+              <a:t> which accepts a string of digits and returns whether the digits passes </a:t>
+            </a:r>
+            <a:r>
+              <a:rPr lang="en-US" dirty="0" err="1"/>
+              <a:t>Luhn's</a:t>
+            </a:r>
+            <a:r>
+              <a:rPr lang="en-US" dirty="0"/>
+              <a:t> algorithm. USE ONLY ONE FOR LOOP to traverse through the digits. </a:t>
+            </a:r>
+          </a:p>
+          <a:p>
+            <a:pPr marL="0" indent="0">
+              <a:buNone/>
+            </a:pPr>
+            <a:r>
+              <a:rPr lang="en-US" dirty="0"/>
+              <a:t>2) </a:t>
+            </a:r>
+            <a:r>
+              <a:rPr lang="en-US" dirty="0" err="1"/>
+              <a:t>is_visa</a:t>
+            </a:r>
+            <a:r>
+              <a:rPr lang="en-US" dirty="0"/>
+              <a:t> which accepts a string of digits and returns whether it passes the additional Visa requirements. </a:t>
+            </a:r>
+          </a:p>
+          <a:p>
+            <a:pPr marL="0" indent="0">
+              <a:buNone/>
+            </a:pPr>
+            <a:r>
+              <a:rPr lang="en-US" dirty="0"/>
+              <a:t>3) </a:t>
+            </a:r>
+            <a:r>
+              <a:rPr lang="en-US" dirty="0" err="1"/>
+              <a:t>is_mastercard</a:t>
+            </a:r>
+            <a:r>
+              <a:rPr lang="en-US" dirty="0"/>
+              <a:t> which accepts a string of digits and returns whether it passes the additional MasterCard requirements. </a:t>
+            </a:r>
+          </a:p>
+          <a:p>
+            <a:pPr marL="0" indent="0">
+              <a:buNone/>
+            </a:pPr>
+            <a:r>
+              <a:rPr lang="en-US" dirty="0"/>
+              <a:t>4) main() function. See the next slide for additional requirements.</a:t>
+            </a:r>
+          </a:p>
+          <a:p>
+            <a:pPr marL="0" indent="0">
+              <a:buNone/>
+            </a:pPr>
+            <a:endParaRPr lang="en-US" dirty="0"/>
+          </a:p>
+          <a:p>
+            <a:pPr marL="0" indent="0">
+              <a:buNone/>
+            </a:pPr>
+            <a:endParaRPr lang="en-US" dirty="0"/>
+          </a:p>
+        </p:txBody>
+      </p:sp>
+    </p:spTree>
+    <p:extLst>
+      <p:ext uri="{BB962C8B-B14F-4D97-AF65-F5344CB8AC3E}">
+        <p14:creationId xmlns:p14="http://schemas.microsoft.com/office/powerpoint/2010/main" val="1025447025"/>
+      </p:ext>
+    </p:extLst>
+  </p:cSld>
+  <p:clrMapOvr>
+    <a:masterClrMapping/>
+  </p:clrMapOvr>
+  <p:timing>
+    <p:tnLst>
+      <p:par>
+        <p:cTn id="1" dur="indefinite" restart="never" nodeType="tmRoot">
+          <p:childTnLst>
+            <p:seq concurrent="1" nextAc="seek">
+              <p:cTn id="2" dur="indefinite" nodeType="mainSeq">
+                <p:childTnLst>
+                  <p:par>
+                    <p:cTn id="3" fill="hold">
+                      <p:stCondLst>
+                        <p:cond delay="indefinite"/>
+                      </p:stCondLst>
+                      <p:childTnLst>
+                        <p:par>
+                          <p:cTn id="4" fill="hold">
+                            <p:stCondLst>
+                              <p:cond delay="0"/>
+                            </p:stCondLst>
+                            <p:childTnLst>
+                              <p:par>
+                                <p:cTn id="5" presetID="1" presetClass="entr" presetSubtype="0" fill="hold" nodeType="clickEffect">
+                                  <p:stCondLst>
+                                    <p:cond delay="0"/>
+                                  </p:stCondLst>
+                                  <p:childTnLst>
+                                    <p:set>
+                                      <p:cBhvr>
+                                        <p:cTn id="6" dur="1" fill="hold">
+                                          <p:stCondLst>
+                                            <p:cond delay="0"/>
+                                          </p:stCondLst>
+                                        </p:cTn>
+                                        <p:tgtEl>
+                                          <p:spTgt spid="9">
+                                            <p:txEl>
+                                              <p:pRg st="0" end="0"/>
+                                            </p:txEl>
+                                          </p:spTgt>
+                                        </p:tgtEl>
+                                        <p:attrNameLst>
+                                          <p:attrName>style.visibility</p:attrName>
+                                        </p:attrNameLst>
+                                      </p:cBhvr>
+                                      <p:to>
+                                        <p:strVal val="visible"/>
+                                      </p:to>
+                                    </p:set>
+                                  </p:childTnLst>
+                                </p:cTn>
+                              </p:par>
+                            </p:childTnLst>
+                          </p:cTn>
+                        </p:par>
+                      </p:childTnLst>
+                    </p:cTn>
+                  </p:par>
+                  <p:par>
+                    <p:cTn id="7" fill="hold">
+                      <p:stCondLst>
+                        <p:cond delay="indefinite"/>
+                      </p:stCondLst>
+                      <p:childTnLst>
+                        <p:par>
+                          <p:cTn id="8" fill="hold">
+                            <p:stCondLst>
+                              <p:cond delay="0"/>
+                            </p:stCondLst>
+                            <p:childTnLst>
+                              <p:par>
+                                <p:cTn id="9" presetID="1" presetClass="entr" presetSubtype="0" fill="hold" nodeType="clickEffect">
+                                  <p:stCondLst>
+                                    <p:cond delay="0"/>
+                                  </p:stCondLst>
+                                  <p:childTnLst>
+                                    <p:set>
+                                      <p:cBhvr>
+                                        <p:cTn id="10" dur="1" fill="hold">
+                                          <p:stCondLst>
+                                            <p:cond delay="0"/>
+                                          </p:stCondLst>
+                                        </p:cTn>
+                                        <p:tgtEl>
+                                          <p:spTgt spid="9">
+                                            <p:txEl>
+                                              <p:pRg st="2" end="2"/>
                                             </p:txEl>
                                           </p:spTgt>
                                         </p:tgtEl>
@@ -8604,7 +8664,7 @@
                                         <p:tgtEl>
                                           <p:spTgt spid="9">
                                             <p:txEl>
-                                              <p:pRg st="5" end="5"/>
+                                              <p:pRg st="3" end="3"/>
                                             </p:txEl>
                                           </p:spTgt>
                                         </p:tgtEl>
@@ -8653,7 +8713,56 @@
                                         <p:tgtEl>
                                           <p:spTgt spid="9">
                                             <p:txEl>
-                                              <p:pRg st="7" end="7"/>
+                                              <p:pRg st="4" end="4"/>
+                                            </p:txEl>
+                                          </p:spTgt>
+                                        </p:tgtEl>
+                                        <p:attrNameLst>
+                                          <p:attrName>style.visibility</p:attrName>
+                                        </p:attrNameLst>
+                                      </p:cBhvr>
+                                      <p:to>
+                                        <p:strVal val="visible"/>
+                                      </p:to>
+                                    </p:set>
+                                  </p:childTnLst>
+                                </p:cTn>
+                              </p:par>
+                            </p:childTnLst>
+                          </p:cTn>
+                        </p:par>
+                      </p:childTnLst>
+                    </p:cTn>
+                  </p:par>
+                  <p:par>
+                    <p:cTn id="19" fill="hold">
+                      <p:stCondLst>
+                        <p:cond delay="indefinite"/>
+                      </p:stCondLst>
+                      <p:childTnLst>
+                        <p:par>
+                          <p:cTn id="20" fill="hold">
+                            <p:stCondLst>
+                              <p:cond delay="0"/>
+                            </p:stCondLst>
+                            <p:childTnLst>
+                              <p:par>
+                                <p:cTn id="21" presetID="1" presetClass="entr" presetSubtype="0" fill="hold" nodeType="clickEffect">
+                                  <p:stCondLst>
+                                    <p:cond delay="0"/>
+                                  </p:stCondLst>
+                                  <p:childTnLst>
+                                    <p:set>
+                                      <p:cBhvr>
+                                        <p:cTn id="22" dur="1" fill="hold">
+                                          <p:stCondLst>
+                                            <p:cond delay="0"/>
+                                          </p:stCondLst>
+                                        </p:cTn>
+                                        <p:tgtEl>
+                                          <p:spTgt spid="9">
+                                            <p:txEl>
+                                              <p:pRg st="5" end="5"/>
                                             </p:txEl>
                                           </p:spTgt>
                                         </p:tgtEl>
